--- a/presentations/Built-in Collections.pptx
+++ b/presentations/Built-in Collections.pptx
@@ -5,7 +5,7 @@
     <p:sldMasterId id="2147483656" r:id="rId4"/>
   </p:sldMasterIdLst>
   <p:notesMasterIdLst>
-    <p:notesMasterId r:id="rId32"/>
+    <p:notesMasterId r:id="rId45"/>
   </p:notesMasterIdLst>
   <p:sldIdLst>
     <p:sldId id="258" r:id="rId5"/>
@@ -27,35 +27,48 @@
     <p:sldId id="280" r:id="rId21"/>
     <p:sldId id="284" r:id="rId22"/>
     <p:sldId id="278" r:id="rId23"/>
-    <p:sldId id="272" r:id="rId24"/>
-    <p:sldId id="273" r:id="rId25"/>
-    <p:sldId id="274" r:id="rId26"/>
-    <p:sldId id="277" r:id="rId27"/>
-    <p:sldId id="275" r:id="rId28"/>
-    <p:sldId id="276" r:id="rId29"/>
-    <p:sldId id="259" r:id="rId30"/>
-    <p:sldId id="262" r:id="rId31"/>
+    <p:sldId id="286" r:id="rId24"/>
+    <p:sldId id="287" r:id="rId25"/>
+    <p:sldId id="288" r:id="rId26"/>
+    <p:sldId id="289" r:id="rId27"/>
+    <p:sldId id="290" r:id="rId28"/>
+    <p:sldId id="272" r:id="rId29"/>
+    <p:sldId id="273" r:id="rId30"/>
+    <p:sldId id="274" r:id="rId31"/>
+    <p:sldId id="275" r:id="rId32"/>
+    <p:sldId id="276" r:id="rId33"/>
+    <p:sldId id="259" r:id="rId34"/>
+    <p:sldId id="291" r:id="rId35"/>
+    <p:sldId id="292" r:id="rId36"/>
+    <p:sldId id="293" r:id="rId37"/>
+    <p:sldId id="294" r:id="rId38"/>
+    <p:sldId id="295" r:id="rId39"/>
+    <p:sldId id="296" r:id="rId40"/>
+    <p:sldId id="297" r:id="rId41"/>
+    <p:sldId id="298" r:id="rId42"/>
+    <p:sldId id="299" r:id="rId43"/>
+    <p:sldId id="262" r:id="rId44"/>
   </p:sldIdLst>
   <p:sldSz cx="12192000" cy="6858000"/>
   <p:notesSz cx="6858000" cy="9144000"/>
   <p:embeddedFontLst>
     <p:embeddedFont>
       <p:font typeface="Calibri" panose="020F0502020204030204" pitchFamily="34" charset="0"/>
-      <p:regular r:id="rId33"/>
-      <p:bold r:id="rId34"/>
-      <p:italic r:id="rId35"/>
-      <p:boldItalic r:id="rId36"/>
+      <p:regular r:id="rId46"/>
+      <p:bold r:id="rId47"/>
+      <p:italic r:id="rId48"/>
+      <p:boldItalic r:id="rId49"/>
     </p:embeddedFont>
     <p:embeddedFont>
       <p:font typeface="Open Sans" panose="020B0604020202020204" charset="0"/>
-      <p:regular r:id="rId37"/>
-      <p:bold r:id="rId38"/>
-      <p:italic r:id="rId39"/>
-      <p:boldItalic r:id="rId40"/>
+      <p:regular r:id="rId50"/>
+      <p:bold r:id="rId51"/>
+      <p:italic r:id="rId52"/>
+      <p:boldItalic r:id="rId53"/>
     </p:embeddedFont>
     <p:embeddedFont>
       <p:font typeface="Proxima Nova Black" panose="020B0604020202020204" charset="0"/>
-      <p:bold r:id="rId41"/>
+      <p:bold r:id="rId54"/>
     </p:embeddedFont>
   </p:embeddedFontLst>
   <p:defaultTextStyle>
@@ -177,13 +190,26 @@
             <p14:sldId id="280"/>
             <p14:sldId id="284"/>
             <p14:sldId id="278"/>
+            <p14:sldId id="286"/>
+            <p14:sldId id="287"/>
+            <p14:sldId id="288"/>
+            <p14:sldId id="289"/>
+            <p14:sldId id="290"/>
             <p14:sldId id="272"/>
             <p14:sldId id="273"/>
             <p14:sldId id="274"/>
-            <p14:sldId id="277"/>
             <p14:sldId id="275"/>
             <p14:sldId id="276"/>
             <p14:sldId id="259"/>
+            <p14:sldId id="291"/>
+            <p14:sldId id="292"/>
+            <p14:sldId id="293"/>
+            <p14:sldId id="294"/>
+            <p14:sldId id="295"/>
+            <p14:sldId id="296"/>
+            <p14:sldId id="297"/>
+            <p14:sldId id="298"/>
+            <p14:sldId id="299"/>
             <p14:sldId id="262"/>
           </p14:sldIdLst>
         </p14:section>
@@ -278,7 +304,7 @@
           <a:p>
             <a:fld id="{66798AA2-1685-42F9-B308-E0EDFDECAB3C}" type="datetimeFigureOut">
               <a:rPr lang="uk-UA" smtClean="0"/>
-              <a:t>02.02.2020</a:t>
+              <a:t>19.02.2020</a:t>
             </a:fld>
             <a:endParaRPr lang="uk-UA"/>
           </a:p>
@@ -1326,34 +1352,6 @@
           <a:bodyPr/>
           <a:lstStyle/>
           <a:p>
-            <a:r>
-              <a:rPr lang="en-US" dirty="0"/>
-              <a:t>A </a:t>
-            </a:r>
-            <a:r>
-              <a:rPr lang="en-US" dirty="0" err="1"/>
-              <a:t>TypedArray</a:t>
-            </a:r>
-            <a:r>
-              <a:rPr lang="en-US" dirty="0"/>
-              <a:t> object describes an array-like view of an underlying binary data buffer. There is no global property named </a:t>
-            </a:r>
-            <a:r>
-              <a:rPr lang="en-US" dirty="0" err="1"/>
-              <a:t>TypedArray</a:t>
-            </a:r>
-            <a:r>
-              <a:rPr lang="en-US" dirty="0"/>
-              <a:t>, nor is there a directly visible </a:t>
-            </a:r>
-            <a:r>
-              <a:rPr lang="en-US" dirty="0" err="1"/>
-              <a:t>TypedArray</a:t>
-            </a:r>
-            <a:r>
-              <a:rPr lang="en-US" dirty="0"/>
-              <a:t> constructor.  Instead, there are a number of different global properties, whose values are typed array constructors for specific element types, listed below. On the following pages you will find common properties and methods that can be used with any typed array containing elements of any type.</a:t>
-            </a:r>
             <a:endParaRPr lang="uk-UA" dirty="0"/>
           </a:p>
         </p:txBody>
@@ -1384,7 +1382,7 @@
     </p:spTree>
     <p:extLst>
       <p:ext uri="{BB962C8B-B14F-4D97-AF65-F5344CB8AC3E}">
-        <p14:creationId xmlns:p14="http://schemas.microsoft.com/office/powerpoint/2010/main" val="1120383025"/>
+        <p14:creationId xmlns:p14="http://schemas.microsoft.com/office/powerpoint/2010/main" val="3043428162"/>
       </p:ext>
     </p:extLst>
   </p:cSld>
@@ -1439,64 +1437,32 @@
           <a:lstStyle/>
           <a:p>
             <a:r>
-              <a:rPr lang="en-US" sz="1200" b="0" i="0" kern="1200" dirty="0">
-                <a:solidFill>
-                  <a:schemeClr val="tx1"/>
-                </a:solidFill>
-                <a:effectLst/>
-                <a:latin typeface="+mn-lt"/>
-                <a:ea typeface="+mn-ea"/>
-                <a:cs typeface="+mn-cs"/>
-              </a:rPr>
-              <a:t>To achieve maximum flexibility and efficiency, JavaScript typed arrays split the implementation into </a:t>
-            </a:r>
-            <a:r>
-              <a:rPr lang="en-US" sz="1200" b="1" i="0" kern="1200" dirty="0">
-                <a:solidFill>
-                  <a:schemeClr val="tx1"/>
-                </a:solidFill>
-                <a:effectLst/>
-                <a:latin typeface="+mn-lt"/>
-                <a:ea typeface="+mn-ea"/>
-                <a:cs typeface="+mn-cs"/>
-              </a:rPr>
-              <a:t>buffers</a:t>
-            </a:r>
-            <a:r>
-              <a:rPr lang="en-US" sz="1200" b="0" i="0" kern="1200" dirty="0">
-                <a:solidFill>
-                  <a:schemeClr val="tx1"/>
-                </a:solidFill>
-                <a:effectLst/>
-                <a:latin typeface="+mn-lt"/>
-                <a:ea typeface="+mn-ea"/>
-                <a:cs typeface="+mn-cs"/>
-              </a:rPr>
-              <a:t> and </a:t>
-            </a:r>
-            <a:r>
-              <a:rPr lang="en-US" sz="1200" b="1" i="0" kern="1200" dirty="0">
-                <a:solidFill>
-                  <a:schemeClr val="tx1"/>
-                </a:solidFill>
-                <a:effectLst/>
-                <a:latin typeface="+mn-lt"/>
-                <a:ea typeface="+mn-ea"/>
-                <a:cs typeface="+mn-cs"/>
-              </a:rPr>
-              <a:t>views</a:t>
-            </a:r>
-            <a:r>
-              <a:rPr lang="en-US" sz="1200" b="0" i="0" kern="1200" dirty="0">
-                <a:solidFill>
-                  <a:schemeClr val="tx1"/>
-                </a:solidFill>
-                <a:effectLst/>
-                <a:latin typeface="+mn-lt"/>
-                <a:ea typeface="+mn-ea"/>
-                <a:cs typeface="+mn-cs"/>
-              </a:rPr>
-              <a:t>.</a:t>
+              <a:rPr lang="en-US" dirty="0"/>
+              <a:t>Note: Array already have </a:t>
+            </a:r>
+            <a:r>
+              <a:rPr lang="en-US" dirty="0" err="1"/>
+              <a:t>symbol.iterator</a:t>
+            </a:r>
+            <a:r>
+              <a:rPr lang="en-US" dirty="0"/>
+              <a:t> key as a function in them and in above example </a:t>
+            </a:r>
+            <a:r>
+              <a:rPr lang="en-US" dirty="0" err="1"/>
+              <a:t>Symbol.iterator</a:t>
+            </a:r>
+            <a:r>
+              <a:rPr lang="en-US" dirty="0"/>
+              <a:t> represents the property of </a:t>
+            </a:r>
+            <a:r>
+              <a:rPr lang="en-US" dirty="0" err="1"/>
+              <a:t>iter</a:t>
+            </a:r>
+            <a:r>
+              <a:rPr lang="en-US" dirty="0"/>
+              <a:t> object which when we call, construct an iterator instance for consuming that object’s values through next.</a:t>
             </a:r>
             <a:endParaRPr lang="uk-UA" dirty="0"/>
           </a:p>
@@ -1519,7 +1485,7 @@
           <a:p>
             <a:fld id="{C6B9B3CE-BC21-41F4-8896-5AF0EBA9693C}" type="slidenum">
               <a:rPr lang="uk-UA" smtClean="0"/>
-              <a:t>21</a:t>
+              <a:t>22</a:t>
             </a:fld>
             <a:endParaRPr lang="uk-UA"/>
           </a:p>
@@ -1528,7 +1494,7 @@
     </p:spTree>
     <p:extLst>
       <p:ext uri="{BB962C8B-B14F-4D97-AF65-F5344CB8AC3E}">
-        <p14:creationId xmlns:p14="http://schemas.microsoft.com/office/powerpoint/2010/main" val="743223445"/>
+        <p14:creationId xmlns:p14="http://schemas.microsoft.com/office/powerpoint/2010/main" val="3623786398"/>
       </p:ext>
     </p:extLst>
   </p:cSld>
@@ -1603,7 +1569,7 @@
           <a:p>
             <a:fld id="{C6B9B3CE-BC21-41F4-8896-5AF0EBA9693C}" type="slidenum">
               <a:rPr lang="uk-UA" smtClean="0"/>
-              <a:t>26</a:t>
+              <a:t>24</a:t>
             </a:fld>
             <a:endParaRPr lang="uk-UA"/>
           </a:p>
@@ -1612,7 +1578,111 @@
     </p:spTree>
     <p:extLst>
       <p:ext uri="{BB962C8B-B14F-4D97-AF65-F5344CB8AC3E}">
-        <p14:creationId xmlns:p14="http://schemas.microsoft.com/office/powerpoint/2010/main" val="2811063723"/>
+        <p14:creationId xmlns:p14="http://schemas.microsoft.com/office/powerpoint/2010/main" val="88171569"/>
+      </p:ext>
+    </p:extLst>
+  </p:cSld>
+  <p:clrMapOvr>
+    <a:masterClrMapping/>
+  </p:clrMapOvr>
+</p:notes>
+</file>
+
+<file path=ppt/notesSlides/notesSlide19.xml><?xml version="1.0" encoding="utf-8"?>
+<p:notes xmlns:a="http://schemas.openxmlformats.org/drawingml/2006/main" xmlns:r="http://schemas.openxmlformats.org/officeDocument/2006/relationships" xmlns:p="http://schemas.openxmlformats.org/presentationml/2006/main">
+  <p:cSld>
+    <p:spTree>
+      <p:nvGrpSpPr>
+        <p:cNvPr id="1" name=""/>
+        <p:cNvGrpSpPr/>
+        <p:nvPr/>
+      </p:nvGrpSpPr>
+      <p:grpSpPr>
+        <a:xfrm>
+          <a:off x="0" y="0"/>
+          <a:ext cx="0" cy="0"/>
+          <a:chOff x="0" y="0"/>
+          <a:chExt cx="0" cy="0"/>
+        </a:xfrm>
+      </p:grpSpPr>
+      <p:sp>
+        <p:nvSpPr>
+          <p:cNvPr id="2" name="Образ слайда 1"/>
+          <p:cNvSpPr>
+            <a:spLocks noGrp="1" noRot="1" noChangeAspect="1"/>
+          </p:cNvSpPr>
+          <p:nvPr>
+            <p:ph type="sldImg"/>
+          </p:nvPr>
+        </p:nvSpPr>
+        <p:spPr/>
+      </p:sp>
+      <p:sp>
+        <p:nvSpPr>
+          <p:cNvPr id="3" name="Заметки 2"/>
+          <p:cNvSpPr>
+            <a:spLocks noGrp="1"/>
+          </p:cNvSpPr>
+          <p:nvPr>
+            <p:ph type="body" idx="1"/>
+          </p:nvPr>
+        </p:nvSpPr>
+        <p:spPr/>
+        <p:txBody>
+          <a:bodyPr/>
+          <a:lstStyle/>
+          <a:p>
+            <a:r>
+              <a:rPr lang="en-US" dirty="0"/>
+              <a:t>There is no global property named </a:t>
+            </a:r>
+            <a:r>
+              <a:rPr lang="en-US" dirty="0" err="1"/>
+              <a:t>TypedArray</a:t>
+            </a:r>
+            <a:r>
+              <a:rPr lang="en-US" dirty="0"/>
+              <a:t>, nor is there a directly visible </a:t>
+            </a:r>
+            <a:r>
+              <a:rPr lang="en-US" dirty="0" err="1"/>
+              <a:t>TypedArray</a:t>
+            </a:r>
+            <a:r>
+              <a:rPr lang="en-US" dirty="0"/>
+              <a:t> constructor.  Instead, there are a number of different global properties, whose values are typed array constructors for specific element types</a:t>
+            </a:r>
+            <a:endParaRPr lang="uk-UA" dirty="0"/>
+          </a:p>
+        </p:txBody>
+      </p:sp>
+      <p:sp>
+        <p:nvSpPr>
+          <p:cNvPr id="4" name="Номер слайда 3"/>
+          <p:cNvSpPr>
+            <a:spLocks noGrp="1"/>
+          </p:cNvSpPr>
+          <p:nvPr>
+            <p:ph type="sldNum" sz="quarter" idx="5"/>
+          </p:nvPr>
+        </p:nvSpPr>
+        <p:spPr/>
+        <p:txBody>
+          <a:bodyPr/>
+          <a:lstStyle/>
+          <a:p>
+            <a:fld id="{C6B9B3CE-BC21-41F4-8896-5AF0EBA9693C}" type="slidenum">
+              <a:rPr lang="uk-UA" smtClean="0"/>
+              <a:t>25</a:t>
+            </a:fld>
+            <a:endParaRPr lang="uk-UA"/>
+          </a:p>
+        </p:txBody>
+      </p:sp>
+    </p:spTree>
+    <p:extLst>
+      <p:ext uri="{BB962C8B-B14F-4D97-AF65-F5344CB8AC3E}">
+        <p14:creationId xmlns:p14="http://schemas.microsoft.com/office/powerpoint/2010/main" val="1120383025"/>
       </p:ext>
     </p:extLst>
   </p:cSld>
@@ -1706,6 +1776,987 @@
 </p:notes>
 </file>
 
+<file path=ppt/notesSlides/notesSlide20.xml><?xml version="1.0" encoding="utf-8"?>
+<p:notes xmlns:a="http://schemas.openxmlformats.org/drawingml/2006/main" xmlns:r="http://schemas.openxmlformats.org/officeDocument/2006/relationships" xmlns:p="http://schemas.openxmlformats.org/presentationml/2006/main">
+  <p:cSld>
+    <p:spTree>
+      <p:nvGrpSpPr>
+        <p:cNvPr id="1" name=""/>
+        <p:cNvGrpSpPr/>
+        <p:nvPr/>
+      </p:nvGrpSpPr>
+      <p:grpSpPr>
+        <a:xfrm>
+          <a:off x="0" y="0"/>
+          <a:ext cx="0" cy="0"/>
+          <a:chOff x="0" y="0"/>
+          <a:chExt cx="0" cy="0"/>
+        </a:xfrm>
+      </p:grpSpPr>
+      <p:sp>
+        <p:nvSpPr>
+          <p:cNvPr id="2" name="Образ слайда 1"/>
+          <p:cNvSpPr>
+            <a:spLocks noGrp="1" noRot="1" noChangeAspect="1"/>
+          </p:cNvSpPr>
+          <p:nvPr>
+            <p:ph type="sldImg"/>
+          </p:nvPr>
+        </p:nvSpPr>
+        <p:spPr/>
+      </p:sp>
+      <p:sp>
+        <p:nvSpPr>
+          <p:cNvPr id="3" name="Заметки 2"/>
+          <p:cNvSpPr>
+            <a:spLocks noGrp="1"/>
+          </p:cNvSpPr>
+          <p:nvPr>
+            <p:ph type="body" idx="1"/>
+          </p:nvPr>
+        </p:nvSpPr>
+        <p:spPr/>
+        <p:txBody>
+          <a:bodyPr/>
+          <a:lstStyle/>
+          <a:p>
+            <a:pPr marL="0" marR="0" lvl="0" indent="0" algn="l" defTabSz="914400" rtl="0" eaLnBrk="1" fontAlgn="auto" latinLnBrk="0" hangingPunct="1">
+              <a:lnSpc>
+                <a:spcPct val="100000"/>
+              </a:lnSpc>
+              <a:spcBef>
+                <a:spcPts val="0"/>
+              </a:spcBef>
+              <a:spcAft>
+                <a:spcPts val="0"/>
+              </a:spcAft>
+              <a:buClrTx/>
+              <a:buSzTx/>
+              <a:buFontTx/>
+              <a:buNone/>
+              <a:tabLst/>
+              <a:defRPr/>
+            </a:pPr>
+            <a:r>
+              <a:rPr lang="uk-UA" sz="1200" b="0" i="0" kern="1200" dirty="0">
+                <a:solidFill>
+                  <a:schemeClr val="tx1"/>
+                </a:solidFill>
+                <a:effectLst/>
+                <a:latin typeface="+mn-lt"/>
+                <a:ea typeface="+mn-ea"/>
+                <a:cs typeface="+mn-cs"/>
+              </a:rPr>
+              <a:t>Щоб досягти максимальної гнучкості та ефективності</a:t>
+            </a:r>
+            <a:r>
+              <a:rPr lang="en-US" sz="1200" b="0" i="0" kern="1200" dirty="0">
+                <a:solidFill>
+                  <a:schemeClr val="tx1"/>
+                </a:solidFill>
+                <a:effectLst/>
+                <a:latin typeface="+mn-lt"/>
+                <a:ea typeface="+mn-ea"/>
+                <a:cs typeface="+mn-cs"/>
+              </a:rPr>
+              <a:t> typed array</a:t>
+            </a:r>
+            <a:r>
+              <a:rPr lang="uk-UA" sz="1200" b="0" i="0" kern="1200" dirty="0">
+                <a:solidFill>
+                  <a:schemeClr val="tx1"/>
+                </a:solidFill>
+                <a:effectLst/>
+                <a:latin typeface="+mn-lt"/>
+                <a:ea typeface="+mn-ea"/>
+                <a:cs typeface="+mn-cs"/>
+              </a:rPr>
+              <a:t> розділили на буфери та представлення.</a:t>
+            </a:r>
+            <a:endParaRPr lang="en-US" sz="1200" b="0" i="0" kern="1200" dirty="0">
+              <a:solidFill>
+                <a:schemeClr val="tx1"/>
+              </a:solidFill>
+              <a:effectLst/>
+              <a:latin typeface="+mn-lt"/>
+              <a:ea typeface="+mn-ea"/>
+              <a:cs typeface="+mn-cs"/>
+            </a:endParaRPr>
+          </a:p>
+          <a:p>
+            <a:endParaRPr lang="en-US" sz="1200" b="0" i="0" kern="1200" dirty="0">
+              <a:solidFill>
+                <a:schemeClr val="tx1"/>
+              </a:solidFill>
+              <a:effectLst/>
+              <a:latin typeface="+mn-lt"/>
+              <a:ea typeface="+mn-ea"/>
+              <a:cs typeface="+mn-cs"/>
+            </a:endParaRPr>
+          </a:p>
+          <a:p>
+            <a:r>
+              <a:rPr lang="uk-UA" sz="1200" b="0" i="0" kern="1200" dirty="0">
+                <a:solidFill>
+                  <a:schemeClr val="tx1"/>
+                </a:solidFill>
+                <a:effectLst/>
+                <a:latin typeface="+mn-lt"/>
+                <a:ea typeface="+mn-ea"/>
+                <a:cs typeface="+mn-cs"/>
+              </a:rPr>
+              <a:t>Буфер (реалізований об'єктом </a:t>
+            </a:r>
+            <a:r>
+              <a:rPr lang="en-US" sz="1200" b="0" i="0" kern="1200" dirty="0" err="1">
+                <a:solidFill>
+                  <a:schemeClr val="tx1"/>
+                </a:solidFill>
+                <a:effectLst/>
+                <a:latin typeface="+mn-lt"/>
+                <a:ea typeface="+mn-ea"/>
+                <a:cs typeface="+mn-cs"/>
+              </a:rPr>
+              <a:t>ArrayBuffer</a:t>
+            </a:r>
+            <a:r>
+              <a:rPr lang="en-US" sz="1200" b="0" i="0" kern="1200" dirty="0">
+                <a:solidFill>
+                  <a:schemeClr val="tx1"/>
+                </a:solidFill>
+                <a:effectLst/>
+                <a:latin typeface="+mn-lt"/>
+                <a:ea typeface="+mn-ea"/>
+                <a:cs typeface="+mn-cs"/>
+              </a:rPr>
+              <a:t>) - </a:t>
+            </a:r>
+            <a:r>
+              <a:rPr lang="uk-UA" sz="1200" b="0" i="0" kern="1200" dirty="0">
+                <a:solidFill>
+                  <a:schemeClr val="tx1"/>
+                </a:solidFill>
+                <a:effectLst/>
+                <a:latin typeface="+mn-lt"/>
+                <a:ea typeface="+mn-ea"/>
+                <a:cs typeface="+mn-cs"/>
+              </a:rPr>
+              <a:t>це об'єкт, що представляє собою фрагмент даних; він не має формату, про який можна говорити, і не пропонує механізму доступу до його вмісту. Для доступу до пам'яті, що міститься в буфері, вам потрібно скористатися </a:t>
+            </a:r>
+            <a:r>
+              <a:rPr lang="en-US" sz="1200" b="0" i="0" kern="1200" dirty="0">
+                <a:solidFill>
+                  <a:schemeClr val="tx1"/>
+                </a:solidFill>
+                <a:effectLst/>
+                <a:latin typeface="+mn-lt"/>
+                <a:ea typeface="+mn-ea"/>
+                <a:cs typeface="+mn-cs"/>
+              </a:rPr>
+              <a:t>view(</a:t>
+            </a:r>
+            <a:r>
+              <a:rPr lang="uk-UA" sz="1200" b="0" i="0" kern="1200" dirty="0">
+                <a:solidFill>
+                  <a:schemeClr val="tx1"/>
+                </a:solidFill>
+                <a:effectLst/>
+                <a:latin typeface="+mn-lt"/>
+                <a:ea typeface="+mn-ea"/>
+                <a:cs typeface="+mn-cs"/>
+              </a:rPr>
+              <a:t>представлення</a:t>
+            </a:r>
+            <a:r>
+              <a:rPr lang="en-US" sz="1200" b="0" i="0" kern="1200" dirty="0">
+                <a:solidFill>
+                  <a:schemeClr val="tx1"/>
+                </a:solidFill>
+                <a:effectLst/>
+                <a:latin typeface="+mn-lt"/>
+                <a:ea typeface="+mn-ea"/>
+                <a:cs typeface="+mn-cs"/>
+              </a:rPr>
+              <a:t>)</a:t>
+            </a:r>
+            <a:r>
+              <a:rPr lang="uk-UA" sz="1200" b="0" i="0" kern="1200" dirty="0">
+                <a:solidFill>
+                  <a:schemeClr val="tx1"/>
+                </a:solidFill>
+                <a:effectLst/>
+                <a:latin typeface="+mn-lt"/>
+                <a:ea typeface="+mn-ea"/>
+                <a:cs typeface="+mn-cs"/>
+              </a:rPr>
+              <a:t>. </a:t>
+            </a:r>
+            <a:r>
+              <a:rPr lang="en-US" sz="1200" b="0" i="0" kern="1200" dirty="0">
+                <a:solidFill>
+                  <a:schemeClr val="tx1"/>
+                </a:solidFill>
+                <a:effectLst/>
+                <a:latin typeface="+mn-lt"/>
+                <a:ea typeface="+mn-ea"/>
+                <a:cs typeface="+mn-cs"/>
+              </a:rPr>
+              <a:t>View </a:t>
+            </a:r>
+            <a:r>
+              <a:rPr lang="uk-UA" sz="1200" b="0" i="0" kern="1200" dirty="0">
+                <a:solidFill>
+                  <a:schemeClr val="tx1"/>
+                </a:solidFill>
+                <a:effectLst/>
+                <a:latin typeface="+mn-lt"/>
+                <a:ea typeface="+mn-ea"/>
+                <a:cs typeface="+mn-cs"/>
+              </a:rPr>
+              <a:t>забезпечує контекст - тобто тип даних, початкове зміщення та кількість елементів - який перетворює дані у </a:t>
+            </a:r>
+            <a:r>
+              <a:rPr lang="en-US" sz="1200" b="0" i="0" kern="1200" dirty="0">
+                <a:solidFill>
+                  <a:schemeClr val="tx1"/>
+                </a:solidFill>
+                <a:effectLst/>
+                <a:latin typeface="+mn-lt"/>
+                <a:ea typeface="+mn-ea"/>
+                <a:cs typeface="+mn-cs"/>
+              </a:rPr>
+              <a:t>typed array</a:t>
+            </a:r>
+            <a:r>
+              <a:rPr lang="uk-UA" sz="1200" b="0" i="0" kern="1200" dirty="0">
+                <a:solidFill>
+                  <a:schemeClr val="tx1"/>
+                </a:solidFill>
+                <a:effectLst/>
+                <a:latin typeface="+mn-lt"/>
+                <a:ea typeface="+mn-ea"/>
+                <a:cs typeface="+mn-cs"/>
+              </a:rPr>
+              <a:t>.</a:t>
+            </a:r>
+          </a:p>
+          <a:p>
+            <a:endParaRPr lang="uk-UA" sz="1200" b="0" i="0" kern="1200" dirty="0">
+              <a:solidFill>
+                <a:schemeClr val="tx1"/>
+              </a:solidFill>
+              <a:effectLst/>
+              <a:latin typeface="+mn-lt"/>
+              <a:ea typeface="+mn-ea"/>
+              <a:cs typeface="+mn-cs"/>
+            </a:endParaRPr>
+          </a:p>
+        </p:txBody>
+      </p:sp>
+      <p:sp>
+        <p:nvSpPr>
+          <p:cNvPr id="4" name="Номер слайда 3"/>
+          <p:cNvSpPr>
+            <a:spLocks noGrp="1"/>
+          </p:cNvSpPr>
+          <p:nvPr>
+            <p:ph type="sldNum" sz="quarter" idx="5"/>
+          </p:nvPr>
+        </p:nvSpPr>
+        <p:spPr/>
+        <p:txBody>
+          <a:bodyPr/>
+          <a:lstStyle/>
+          <a:p>
+            <a:fld id="{C6B9B3CE-BC21-41F4-8896-5AF0EBA9693C}" type="slidenum">
+              <a:rPr lang="uk-UA" smtClean="0"/>
+              <a:t>26</a:t>
+            </a:fld>
+            <a:endParaRPr lang="uk-UA"/>
+          </a:p>
+        </p:txBody>
+      </p:sp>
+    </p:spTree>
+    <p:extLst>
+      <p:ext uri="{BB962C8B-B14F-4D97-AF65-F5344CB8AC3E}">
+        <p14:creationId xmlns:p14="http://schemas.microsoft.com/office/powerpoint/2010/main" val="743223445"/>
+      </p:ext>
+    </p:extLst>
+  </p:cSld>
+  <p:clrMapOvr>
+    <a:masterClrMapping/>
+  </p:clrMapOvr>
+</p:notes>
+</file>
+
+<file path=ppt/notesSlides/notesSlide21.xml><?xml version="1.0" encoding="utf-8"?>
+<p:notes xmlns:a="http://schemas.openxmlformats.org/drawingml/2006/main" xmlns:r="http://schemas.openxmlformats.org/officeDocument/2006/relationships" xmlns:p="http://schemas.openxmlformats.org/presentationml/2006/main">
+  <p:cSld>
+    <p:spTree>
+      <p:nvGrpSpPr>
+        <p:cNvPr id="1" name=""/>
+        <p:cNvGrpSpPr/>
+        <p:nvPr/>
+      </p:nvGrpSpPr>
+      <p:grpSpPr>
+        <a:xfrm>
+          <a:off x="0" y="0"/>
+          <a:ext cx="0" cy="0"/>
+          <a:chOff x="0" y="0"/>
+          <a:chExt cx="0" cy="0"/>
+        </a:xfrm>
+      </p:grpSpPr>
+      <p:sp>
+        <p:nvSpPr>
+          <p:cNvPr id="2" name="Образ слайда 1"/>
+          <p:cNvSpPr>
+            <a:spLocks noGrp="1" noRot="1" noChangeAspect="1"/>
+          </p:cNvSpPr>
+          <p:nvPr>
+            <p:ph type="sldImg"/>
+          </p:nvPr>
+        </p:nvSpPr>
+        <p:spPr/>
+      </p:sp>
+      <p:sp>
+        <p:nvSpPr>
+          <p:cNvPr id="3" name="Заметки 2"/>
+          <p:cNvSpPr>
+            <a:spLocks noGrp="1"/>
+          </p:cNvSpPr>
+          <p:nvPr>
+            <p:ph type="body" idx="1"/>
+          </p:nvPr>
+        </p:nvSpPr>
+        <p:spPr/>
+        <p:txBody>
+          <a:bodyPr/>
+          <a:lstStyle/>
+          <a:p>
+            <a:r>
+              <a:rPr lang="uk-UA" dirty="0"/>
+              <a:t>Об'єкт </a:t>
+            </a:r>
+            <a:r>
+              <a:rPr lang="en-US" dirty="0" err="1"/>
+              <a:t>ArrayBuffer</a:t>
+            </a:r>
+            <a:r>
+              <a:rPr lang="en-US" dirty="0"/>
+              <a:t> </a:t>
+            </a:r>
+            <a:r>
+              <a:rPr lang="uk-UA" dirty="0"/>
+              <a:t>використовується для роботи з бінарними даними. Він являє собою посилання на потік "сирих" бінарних даних, проте працювати з ними безпосередньо можливості не дає. Замість цього, ви можете створити </a:t>
+            </a:r>
+            <a:r>
+              <a:rPr lang="en-US" sz="1200" dirty="0">
+                <a:latin typeface="Open Sans" panose="020B0604020202020204" charset="0"/>
+                <a:ea typeface="Open Sans" panose="020B0604020202020204" charset="0"/>
+                <a:cs typeface="Open Sans" panose="020B0604020202020204" charset="0"/>
+              </a:rPr>
+              <a:t>typed array  </a:t>
+            </a:r>
+            <a:r>
+              <a:rPr lang="uk-UA" dirty="0"/>
+              <a:t>або об'єкт </a:t>
+            </a:r>
+            <a:r>
+              <a:rPr lang="en-US" dirty="0" err="1"/>
+              <a:t>DataView</a:t>
+            </a:r>
+            <a:r>
+              <a:rPr lang="en-US" dirty="0"/>
+              <a:t>, </a:t>
+            </a:r>
+            <a:r>
+              <a:rPr lang="uk-UA" dirty="0"/>
+              <a:t>який представляє буфер в </a:t>
+            </a:r>
+            <a:r>
+              <a:rPr lang="uk-UA" dirty="0" err="1"/>
+              <a:t>конкрентому</a:t>
+            </a:r>
+            <a:r>
+              <a:rPr lang="uk-UA" dirty="0"/>
+              <a:t> форматі і використовувати для читання і запису даних буферу</a:t>
+            </a:r>
+            <a:r>
+              <a:rPr lang="en-US" dirty="0"/>
+              <a:t>.</a:t>
+            </a:r>
+            <a:endParaRPr lang="uk-UA" dirty="0"/>
+          </a:p>
+        </p:txBody>
+      </p:sp>
+      <p:sp>
+        <p:nvSpPr>
+          <p:cNvPr id="4" name="Номер слайда 3"/>
+          <p:cNvSpPr>
+            <a:spLocks noGrp="1"/>
+          </p:cNvSpPr>
+          <p:nvPr>
+            <p:ph type="sldNum" sz="quarter" idx="5"/>
+          </p:nvPr>
+        </p:nvSpPr>
+        <p:spPr/>
+        <p:txBody>
+          <a:bodyPr/>
+          <a:lstStyle/>
+          <a:p>
+            <a:fld id="{C6B9B3CE-BC21-41F4-8896-5AF0EBA9693C}" type="slidenum">
+              <a:rPr lang="uk-UA" smtClean="0"/>
+              <a:t>27</a:t>
+            </a:fld>
+            <a:endParaRPr lang="uk-UA"/>
+          </a:p>
+        </p:txBody>
+      </p:sp>
+    </p:spTree>
+    <p:extLst>
+      <p:ext uri="{BB962C8B-B14F-4D97-AF65-F5344CB8AC3E}">
+        <p14:creationId xmlns:p14="http://schemas.microsoft.com/office/powerpoint/2010/main" val="2412424957"/>
+      </p:ext>
+    </p:extLst>
+  </p:cSld>
+  <p:clrMapOvr>
+    <a:masterClrMapping/>
+  </p:clrMapOvr>
+</p:notes>
+</file>
+
+<file path=ppt/notesSlides/notesSlide22.xml><?xml version="1.0" encoding="utf-8"?>
+<p:notes xmlns:a="http://schemas.openxmlformats.org/drawingml/2006/main" xmlns:r="http://schemas.openxmlformats.org/officeDocument/2006/relationships" xmlns:p="http://schemas.openxmlformats.org/presentationml/2006/main">
+  <p:cSld>
+    <p:spTree>
+      <p:nvGrpSpPr>
+        <p:cNvPr id="1" name=""/>
+        <p:cNvGrpSpPr/>
+        <p:nvPr/>
+      </p:nvGrpSpPr>
+      <p:grpSpPr>
+        <a:xfrm>
+          <a:off x="0" y="0"/>
+          <a:ext cx="0" cy="0"/>
+          <a:chOff x="0" y="0"/>
+          <a:chExt cx="0" cy="0"/>
+        </a:xfrm>
+      </p:grpSpPr>
+      <p:sp>
+        <p:nvSpPr>
+          <p:cNvPr id="2" name="Образ слайда 1"/>
+          <p:cNvSpPr>
+            <a:spLocks noGrp="1" noRot="1" noChangeAspect="1"/>
+          </p:cNvSpPr>
+          <p:nvPr>
+            <p:ph type="sldImg"/>
+          </p:nvPr>
+        </p:nvSpPr>
+        <p:spPr/>
+      </p:sp>
+      <p:sp>
+        <p:nvSpPr>
+          <p:cNvPr id="3" name="Заметки 2"/>
+          <p:cNvSpPr>
+            <a:spLocks noGrp="1"/>
+          </p:cNvSpPr>
+          <p:nvPr>
+            <p:ph type="body" idx="1"/>
+          </p:nvPr>
+        </p:nvSpPr>
+        <p:spPr/>
+        <p:txBody>
+          <a:bodyPr/>
+          <a:lstStyle/>
+          <a:p>
+            <a:r>
+              <a:rPr lang="en-US" dirty="0"/>
+              <a:t>Typed arrays </a:t>
+            </a:r>
+            <a:r>
+              <a:rPr lang="uk-UA" dirty="0"/>
+              <a:t>мають описові назви та надають представлення для всіх звичайних числових типів, таких як </a:t>
+            </a:r>
+            <a:r>
+              <a:rPr lang="en-US" dirty="0"/>
+              <a:t>Int8, Uint32, Float64 </a:t>
+            </a:r>
+            <a:r>
+              <a:rPr lang="uk-UA" dirty="0"/>
+              <a:t>тощо. Існує один спеціальний вид набраного масиву - </a:t>
+            </a:r>
+            <a:r>
+              <a:rPr lang="en-US" dirty="0"/>
+              <a:t>Uint8ClampedArray. </a:t>
+            </a:r>
+            <a:r>
+              <a:rPr lang="uk-UA" dirty="0"/>
+              <a:t>Він має значення між 0 і 255. Це корисно, наприклад, для обробки даних </a:t>
+            </a:r>
+            <a:r>
+              <a:rPr lang="en-US" dirty="0"/>
+              <a:t>Canvas</a:t>
+            </a:r>
+            <a:endParaRPr lang="uk-UA" dirty="0"/>
+          </a:p>
+        </p:txBody>
+      </p:sp>
+      <p:sp>
+        <p:nvSpPr>
+          <p:cNvPr id="4" name="Номер слайда 3"/>
+          <p:cNvSpPr>
+            <a:spLocks noGrp="1"/>
+          </p:cNvSpPr>
+          <p:nvPr>
+            <p:ph type="sldNum" sz="quarter" idx="5"/>
+          </p:nvPr>
+        </p:nvSpPr>
+        <p:spPr/>
+        <p:txBody>
+          <a:bodyPr/>
+          <a:lstStyle/>
+          <a:p>
+            <a:fld id="{C6B9B3CE-BC21-41F4-8896-5AF0EBA9693C}" type="slidenum">
+              <a:rPr lang="uk-UA" smtClean="0"/>
+              <a:t>28</a:t>
+            </a:fld>
+            <a:endParaRPr lang="uk-UA"/>
+          </a:p>
+        </p:txBody>
+      </p:sp>
+    </p:spTree>
+    <p:extLst>
+      <p:ext uri="{BB962C8B-B14F-4D97-AF65-F5344CB8AC3E}">
+        <p14:creationId xmlns:p14="http://schemas.microsoft.com/office/powerpoint/2010/main" val="1653061534"/>
+      </p:ext>
+    </p:extLst>
+  </p:cSld>
+  <p:clrMapOvr>
+    <a:masterClrMapping/>
+  </p:clrMapOvr>
+</p:notes>
+</file>
+
+<file path=ppt/notesSlides/notesSlide23.xml><?xml version="1.0" encoding="utf-8"?>
+<p:notes xmlns:a="http://schemas.openxmlformats.org/drawingml/2006/main" xmlns:r="http://schemas.openxmlformats.org/officeDocument/2006/relationships" xmlns:p="http://schemas.openxmlformats.org/presentationml/2006/main">
+  <p:cSld>
+    <p:spTree>
+      <p:nvGrpSpPr>
+        <p:cNvPr id="1" name=""/>
+        <p:cNvGrpSpPr/>
+        <p:nvPr/>
+      </p:nvGrpSpPr>
+      <p:grpSpPr>
+        <a:xfrm>
+          <a:off x="0" y="0"/>
+          <a:ext cx="0" cy="0"/>
+          <a:chOff x="0" y="0"/>
+          <a:chExt cx="0" cy="0"/>
+        </a:xfrm>
+      </p:grpSpPr>
+      <p:sp>
+        <p:nvSpPr>
+          <p:cNvPr id="2" name="Образ слайда 1"/>
+          <p:cNvSpPr>
+            <a:spLocks noGrp="1" noRot="1" noChangeAspect="1"/>
+          </p:cNvSpPr>
+          <p:nvPr>
+            <p:ph type="sldImg"/>
+          </p:nvPr>
+        </p:nvSpPr>
+        <p:spPr/>
+      </p:sp>
+      <p:sp>
+        <p:nvSpPr>
+          <p:cNvPr id="3" name="Заметки 2"/>
+          <p:cNvSpPr>
+            <a:spLocks noGrp="1"/>
+          </p:cNvSpPr>
+          <p:nvPr>
+            <p:ph type="body" idx="1"/>
+          </p:nvPr>
+        </p:nvSpPr>
+        <p:spPr/>
+        <p:txBody>
+          <a:bodyPr/>
+          <a:lstStyle/>
+          <a:p>
+            <a:endParaRPr lang="uk-UA" dirty="0"/>
+          </a:p>
+        </p:txBody>
+      </p:sp>
+      <p:sp>
+        <p:nvSpPr>
+          <p:cNvPr id="4" name="Номер слайда 3"/>
+          <p:cNvSpPr>
+            <a:spLocks noGrp="1"/>
+          </p:cNvSpPr>
+          <p:nvPr>
+            <p:ph type="sldNum" sz="quarter" idx="5"/>
+          </p:nvPr>
+        </p:nvSpPr>
+        <p:spPr/>
+        <p:txBody>
+          <a:bodyPr/>
+          <a:lstStyle/>
+          <a:p>
+            <a:fld id="{C6B9B3CE-BC21-41F4-8896-5AF0EBA9693C}" type="slidenum">
+              <a:rPr lang="uk-UA" smtClean="0"/>
+              <a:t>30</a:t>
+            </a:fld>
+            <a:endParaRPr lang="uk-UA"/>
+          </a:p>
+        </p:txBody>
+      </p:sp>
+    </p:spTree>
+    <p:extLst>
+      <p:ext uri="{BB962C8B-B14F-4D97-AF65-F5344CB8AC3E}">
+        <p14:creationId xmlns:p14="http://schemas.microsoft.com/office/powerpoint/2010/main" val="2811063723"/>
+      </p:ext>
+    </p:extLst>
+  </p:cSld>
+  <p:clrMapOvr>
+    <a:masterClrMapping/>
+  </p:clrMapOvr>
+</p:notes>
+</file>
+
+<file path=ppt/notesSlides/notesSlide24.xml><?xml version="1.0" encoding="utf-8"?>
+<p:notes xmlns:a="http://schemas.openxmlformats.org/drawingml/2006/main" xmlns:r="http://schemas.openxmlformats.org/officeDocument/2006/relationships" xmlns:p="http://schemas.openxmlformats.org/presentationml/2006/main">
+  <p:cSld>
+    <p:spTree>
+      <p:nvGrpSpPr>
+        <p:cNvPr id="1" name=""/>
+        <p:cNvGrpSpPr/>
+        <p:nvPr/>
+      </p:nvGrpSpPr>
+      <p:grpSpPr>
+        <a:xfrm>
+          <a:off x="0" y="0"/>
+          <a:ext cx="0" cy="0"/>
+          <a:chOff x="0" y="0"/>
+          <a:chExt cx="0" cy="0"/>
+        </a:xfrm>
+      </p:grpSpPr>
+      <p:sp>
+        <p:nvSpPr>
+          <p:cNvPr id="2" name="Образ слайда 1"/>
+          <p:cNvSpPr>
+            <a:spLocks noGrp="1" noRot="1" noChangeAspect="1"/>
+          </p:cNvSpPr>
+          <p:nvPr>
+            <p:ph type="sldImg"/>
+          </p:nvPr>
+        </p:nvSpPr>
+        <p:spPr/>
+      </p:sp>
+      <p:sp>
+        <p:nvSpPr>
+          <p:cNvPr id="3" name="Заметки 2"/>
+          <p:cNvSpPr>
+            <a:spLocks noGrp="1"/>
+          </p:cNvSpPr>
+          <p:nvPr>
+            <p:ph type="body" idx="1"/>
+          </p:nvPr>
+        </p:nvSpPr>
+        <p:spPr/>
+        <p:txBody>
+          <a:bodyPr/>
+          <a:lstStyle/>
+          <a:p>
+            <a:endParaRPr lang="uk-UA" dirty="0"/>
+          </a:p>
+        </p:txBody>
+      </p:sp>
+      <p:sp>
+        <p:nvSpPr>
+          <p:cNvPr id="4" name="Номер слайда 3"/>
+          <p:cNvSpPr>
+            <a:spLocks noGrp="1"/>
+          </p:cNvSpPr>
+          <p:nvPr>
+            <p:ph type="sldNum" sz="quarter" idx="5"/>
+          </p:nvPr>
+        </p:nvSpPr>
+        <p:spPr/>
+        <p:txBody>
+          <a:bodyPr/>
+          <a:lstStyle/>
+          <a:p>
+            <a:fld id="{C6B9B3CE-BC21-41F4-8896-5AF0EBA9693C}" type="slidenum">
+              <a:rPr lang="uk-UA" smtClean="0"/>
+              <a:t>33</a:t>
+            </a:fld>
+            <a:endParaRPr lang="uk-UA"/>
+          </a:p>
+        </p:txBody>
+      </p:sp>
+    </p:spTree>
+    <p:extLst>
+      <p:ext uri="{BB962C8B-B14F-4D97-AF65-F5344CB8AC3E}">
+        <p14:creationId xmlns:p14="http://schemas.microsoft.com/office/powerpoint/2010/main" val="1396061639"/>
+      </p:ext>
+    </p:extLst>
+  </p:cSld>
+  <p:clrMapOvr>
+    <a:masterClrMapping/>
+  </p:clrMapOvr>
+</p:notes>
+</file>
+
+<file path=ppt/notesSlides/notesSlide25.xml><?xml version="1.0" encoding="utf-8"?>
+<p:notes xmlns:a="http://schemas.openxmlformats.org/drawingml/2006/main" xmlns:r="http://schemas.openxmlformats.org/officeDocument/2006/relationships" xmlns:p="http://schemas.openxmlformats.org/presentationml/2006/main">
+  <p:cSld>
+    <p:spTree>
+      <p:nvGrpSpPr>
+        <p:cNvPr id="1" name=""/>
+        <p:cNvGrpSpPr/>
+        <p:nvPr/>
+      </p:nvGrpSpPr>
+      <p:grpSpPr>
+        <a:xfrm>
+          <a:off x="0" y="0"/>
+          <a:ext cx="0" cy="0"/>
+          <a:chOff x="0" y="0"/>
+          <a:chExt cx="0" cy="0"/>
+        </a:xfrm>
+      </p:grpSpPr>
+      <p:sp>
+        <p:nvSpPr>
+          <p:cNvPr id="2" name="Образ слайда 1"/>
+          <p:cNvSpPr>
+            <a:spLocks noGrp="1" noRot="1" noChangeAspect="1"/>
+          </p:cNvSpPr>
+          <p:nvPr>
+            <p:ph type="sldImg"/>
+          </p:nvPr>
+        </p:nvSpPr>
+        <p:spPr/>
+      </p:sp>
+      <p:sp>
+        <p:nvSpPr>
+          <p:cNvPr id="3" name="Заметки 2"/>
+          <p:cNvSpPr>
+            <a:spLocks noGrp="1"/>
+          </p:cNvSpPr>
+          <p:nvPr>
+            <p:ph type="body" idx="1"/>
+          </p:nvPr>
+        </p:nvSpPr>
+        <p:spPr/>
+        <p:txBody>
+          <a:bodyPr/>
+          <a:lstStyle/>
+          <a:p>
+            <a:endParaRPr lang="uk-UA" dirty="0"/>
+          </a:p>
+        </p:txBody>
+      </p:sp>
+      <p:sp>
+        <p:nvSpPr>
+          <p:cNvPr id="4" name="Номер слайда 3"/>
+          <p:cNvSpPr>
+            <a:spLocks noGrp="1"/>
+          </p:cNvSpPr>
+          <p:nvPr>
+            <p:ph type="sldNum" sz="quarter" idx="5"/>
+          </p:nvPr>
+        </p:nvSpPr>
+        <p:spPr/>
+        <p:txBody>
+          <a:bodyPr/>
+          <a:lstStyle/>
+          <a:p>
+            <a:fld id="{C6B9B3CE-BC21-41F4-8896-5AF0EBA9693C}" type="slidenum">
+              <a:rPr lang="uk-UA" smtClean="0"/>
+              <a:t>35</a:t>
+            </a:fld>
+            <a:endParaRPr lang="uk-UA"/>
+          </a:p>
+        </p:txBody>
+      </p:sp>
+    </p:spTree>
+    <p:extLst>
+      <p:ext uri="{BB962C8B-B14F-4D97-AF65-F5344CB8AC3E}">
+        <p14:creationId xmlns:p14="http://schemas.microsoft.com/office/powerpoint/2010/main" val="3667781688"/>
+      </p:ext>
+    </p:extLst>
+  </p:cSld>
+  <p:clrMapOvr>
+    <a:masterClrMapping/>
+  </p:clrMapOvr>
+</p:notes>
+</file>
+
+<file path=ppt/notesSlides/notesSlide26.xml><?xml version="1.0" encoding="utf-8"?>
+<p:notes xmlns:a="http://schemas.openxmlformats.org/drawingml/2006/main" xmlns:r="http://schemas.openxmlformats.org/officeDocument/2006/relationships" xmlns:p="http://schemas.openxmlformats.org/presentationml/2006/main">
+  <p:cSld>
+    <p:spTree>
+      <p:nvGrpSpPr>
+        <p:cNvPr id="1" name=""/>
+        <p:cNvGrpSpPr/>
+        <p:nvPr/>
+      </p:nvGrpSpPr>
+      <p:grpSpPr>
+        <a:xfrm>
+          <a:off x="0" y="0"/>
+          <a:ext cx="0" cy="0"/>
+          <a:chOff x="0" y="0"/>
+          <a:chExt cx="0" cy="0"/>
+        </a:xfrm>
+      </p:grpSpPr>
+      <p:sp>
+        <p:nvSpPr>
+          <p:cNvPr id="2" name="Образ слайда 1"/>
+          <p:cNvSpPr>
+            <a:spLocks noGrp="1" noRot="1" noChangeAspect="1"/>
+          </p:cNvSpPr>
+          <p:nvPr>
+            <p:ph type="sldImg"/>
+          </p:nvPr>
+        </p:nvSpPr>
+        <p:spPr/>
+      </p:sp>
+      <p:sp>
+        <p:nvSpPr>
+          <p:cNvPr id="3" name="Заметки 2"/>
+          <p:cNvSpPr>
+            <a:spLocks noGrp="1"/>
+          </p:cNvSpPr>
+          <p:nvPr>
+            <p:ph type="body" idx="1"/>
+          </p:nvPr>
+        </p:nvSpPr>
+        <p:spPr/>
+        <p:txBody>
+          <a:bodyPr/>
+          <a:lstStyle/>
+          <a:p>
+            <a:endParaRPr lang="uk-UA" dirty="0"/>
+          </a:p>
+        </p:txBody>
+      </p:sp>
+      <p:sp>
+        <p:nvSpPr>
+          <p:cNvPr id="4" name="Номер слайда 3"/>
+          <p:cNvSpPr>
+            <a:spLocks noGrp="1"/>
+          </p:cNvSpPr>
+          <p:nvPr>
+            <p:ph type="sldNum" sz="quarter" idx="5"/>
+          </p:nvPr>
+        </p:nvSpPr>
+        <p:spPr/>
+        <p:txBody>
+          <a:bodyPr/>
+          <a:lstStyle/>
+          <a:p>
+            <a:fld id="{C6B9B3CE-BC21-41F4-8896-5AF0EBA9693C}" type="slidenum">
+              <a:rPr lang="uk-UA" smtClean="0"/>
+              <a:t>37</a:t>
+            </a:fld>
+            <a:endParaRPr lang="uk-UA"/>
+          </a:p>
+        </p:txBody>
+      </p:sp>
+    </p:spTree>
+    <p:extLst>
+      <p:ext uri="{BB962C8B-B14F-4D97-AF65-F5344CB8AC3E}">
+        <p14:creationId xmlns:p14="http://schemas.microsoft.com/office/powerpoint/2010/main" val="2045064749"/>
+      </p:ext>
+    </p:extLst>
+  </p:cSld>
+  <p:clrMapOvr>
+    <a:masterClrMapping/>
+  </p:clrMapOvr>
+</p:notes>
+</file>
+
+<file path=ppt/notesSlides/notesSlide27.xml><?xml version="1.0" encoding="utf-8"?>
+<p:notes xmlns:a="http://schemas.openxmlformats.org/drawingml/2006/main" xmlns:r="http://schemas.openxmlformats.org/officeDocument/2006/relationships" xmlns:p="http://schemas.openxmlformats.org/presentationml/2006/main">
+  <p:cSld>
+    <p:spTree>
+      <p:nvGrpSpPr>
+        <p:cNvPr id="1" name=""/>
+        <p:cNvGrpSpPr/>
+        <p:nvPr/>
+      </p:nvGrpSpPr>
+      <p:grpSpPr>
+        <a:xfrm>
+          <a:off x="0" y="0"/>
+          <a:ext cx="0" cy="0"/>
+          <a:chOff x="0" y="0"/>
+          <a:chExt cx="0" cy="0"/>
+        </a:xfrm>
+      </p:grpSpPr>
+      <p:sp>
+        <p:nvSpPr>
+          <p:cNvPr id="2" name="Образ слайда 1"/>
+          <p:cNvSpPr>
+            <a:spLocks noGrp="1" noRot="1" noChangeAspect="1"/>
+          </p:cNvSpPr>
+          <p:nvPr>
+            <p:ph type="sldImg"/>
+          </p:nvPr>
+        </p:nvSpPr>
+        <p:spPr/>
+      </p:sp>
+      <p:sp>
+        <p:nvSpPr>
+          <p:cNvPr id="3" name="Заметки 2"/>
+          <p:cNvSpPr>
+            <a:spLocks noGrp="1"/>
+          </p:cNvSpPr>
+          <p:nvPr>
+            <p:ph type="body" idx="1"/>
+          </p:nvPr>
+        </p:nvSpPr>
+        <p:spPr/>
+        <p:txBody>
+          <a:bodyPr/>
+          <a:lstStyle/>
+          <a:p>
+            <a:endParaRPr lang="uk-UA" dirty="0"/>
+          </a:p>
+        </p:txBody>
+      </p:sp>
+      <p:sp>
+        <p:nvSpPr>
+          <p:cNvPr id="4" name="Номер слайда 3"/>
+          <p:cNvSpPr>
+            <a:spLocks noGrp="1"/>
+          </p:cNvSpPr>
+          <p:nvPr>
+            <p:ph type="sldNum" sz="quarter" idx="5"/>
+          </p:nvPr>
+        </p:nvSpPr>
+        <p:spPr/>
+        <p:txBody>
+          <a:bodyPr/>
+          <a:lstStyle/>
+          <a:p>
+            <a:fld id="{C6B9B3CE-BC21-41F4-8896-5AF0EBA9693C}" type="slidenum">
+              <a:rPr lang="uk-UA" smtClean="0"/>
+              <a:t>38</a:t>
+            </a:fld>
+            <a:endParaRPr lang="uk-UA"/>
+          </a:p>
+        </p:txBody>
+      </p:sp>
+    </p:spTree>
+    <p:extLst>
+      <p:ext uri="{BB962C8B-B14F-4D97-AF65-F5344CB8AC3E}">
+        <p14:creationId xmlns:p14="http://schemas.microsoft.com/office/powerpoint/2010/main" val="2274325454"/>
+      </p:ext>
+    </p:extLst>
+  </p:cSld>
+  <p:clrMapOvr>
+    <a:masterClrMapping/>
+  </p:clrMapOvr>
+</p:notes>
+</file>
+
 <file path=ppt/notesSlides/notesSlide3.xml><?xml version="1.0" encoding="utf-8"?>
 <p:notes xmlns:a="http://schemas.openxmlformats.org/drawingml/2006/main" xmlns:r="http://schemas.openxmlformats.org/officeDocument/2006/relationships" xmlns:p="http://schemas.openxmlformats.org/presentationml/2006/main">
   <p:cSld>
@@ -1752,7 +2803,7 @@
           <a:p>
             <a:r>
               <a:rPr lang="en-US" dirty="0"/>
-              <a:t>JavaScript does not have an explicit array data type. However, you can use the predefined Array object and its methods to work with arrays in your applications. The Array object has methods for manipulating arrays in various ways, such as joining, reversing, and sorting them. It has a property for determining the array length and other properties for use with regular expressions.</a:t>
+              <a:t>However, you can use the predefined Array object and its methods to work with arrays in your applications. The Array object has methods for manipulating arrays in various ways, such as joining, reversing, and sorting them. It has a property for determining the array length and other properties for use with regular expressions.</a:t>
             </a:r>
           </a:p>
           <a:p>
@@ -9688,6 +10739,52 @@
               </a:rPr>
               <a:t>Iterators are a new way to loop over any collection in JavaScript. They were introduced in ES6</a:t>
             </a:r>
+            <a:r>
+              <a:rPr lang="uk-UA" sz="2400" dirty="0">
+                <a:latin typeface="Open Sans" panose="020B0604020202020204" charset="0"/>
+                <a:ea typeface="Open Sans" panose="020B0604020202020204" charset="0"/>
+                <a:cs typeface="Open Sans" panose="020B0604020202020204" charset="0"/>
+              </a:rPr>
+              <a:t>.</a:t>
+            </a:r>
+            <a:br>
+              <a:rPr lang="uk-UA" sz="2400" dirty="0">
+                <a:latin typeface="Open Sans" panose="020B0604020202020204" charset="0"/>
+                <a:ea typeface="Open Sans" panose="020B0604020202020204" charset="0"/>
+                <a:cs typeface="Open Sans" panose="020B0604020202020204" charset="0"/>
+              </a:rPr>
+            </a:br>
+            <a:br>
+              <a:rPr lang="uk-UA" sz="2400" dirty="0">
+                <a:latin typeface="Open Sans" panose="020B0604020202020204" charset="0"/>
+                <a:ea typeface="Open Sans" panose="020B0604020202020204" charset="0"/>
+                <a:cs typeface="Open Sans" panose="020B0604020202020204" charset="0"/>
+              </a:rPr>
+            </a:br>
+            <a:r>
+              <a:rPr lang="uk-UA" sz="2400" dirty="0">
+                <a:latin typeface="Open Sans" panose="020B0604020202020204" charset="0"/>
+                <a:ea typeface="Open Sans" panose="020B0604020202020204" charset="0"/>
+                <a:cs typeface="Open Sans" panose="020B0604020202020204" charset="0"/>
+              </a:rPr>
+              <a:t>І</a:t>
+            </a:r>
+            <a:r>
+              <a:rPr lang="en-US" sz="2400" dirty="0" err="1">
+                <a:latin typeface="Open Sans" panose="020B0604020202020204" charset="0"/>
+                <a:ea typeface="Open Sans" panose="020B0604020202020204" charset="0"/>
+                <a:cs typeface="Open Sans" panose="020B0604020202020204" charset="0"/>
+              </a:rPr>
+              <a:t>terator</a:t>
+            </a:r>
+            <a:r>
+              <a:rPr lang="en-US" sz="2400" dirty="0">
+                <a:latin typeface="Open Sans" panose="020B0604020202020204" charset="0"/>
+                <a:ea typeface="Open Sans" panose="020B0604020202020204" charset="0"/>
+                <a:cs typeface="Open Sans" panose="020B0604020202020204" charset="0"/>
+              </a:rPr>
+              <a:t> is an object which defines a sequence and potentially a return value upon its termination.</a:t>
+            </a:r>
             <a:endParaRPr lang="uk-UA" sz="2400" dirty="0">
               <a:latin typeface="Open Sans" panose="020B0604020202020204" charset="0"/>
               <a:ea typeface="Open Sans" panose="020B0604020202020204" charset="0"/>
@@ -9843,7 +10940,7 @@
           <p:cNvPr id="2" name="Заголовок 1">
             <a:extLst>
               <a:ext uri="{FF2B5EF4-FFF2-40B4-BE49-F238E27FC236}">
-                <a16:creationId xmlns:a16="http://schemas.microsoft.com/office/drawing/2014/main" id="{0B3670FE-5626-4BA0-AEDB-374CFCEC5C18}"/>
+                <a16:creationId xmlns:a16="http://schemas.microsoft.com/office/drawing/2014/main" id="{FFCCEBB3-06A4-46C9-B104-D6E0E6E9DCE3}"/>
               </a:ext>
             </a:extLst>
           </p:cNvPr>
@@ -9865,19 +10962,88 @@
               </a:lnSpc>
             </a:pPr>
             <a:r>
-              <a:rPr lang="en-US" sz="4000"/>
-              <a:t>Typed Array</a:t>
+              <a:rPr lang="en-US" sz="2400" dirty="0">
+                <a:latin typeface="Open Sans" panose="020B0604020202020204" charset="0"/>
+                <a:ea typeface="Open Sans" panose="020B0604020202020204" charset="0"/>
+                <a:cs typeface="Open Sans" panose="020B0604020202020204" charset="0"/>
+              </a:rPr>
+              <a:t>Specifically, an iterator is any object which implements the Iterator protocol by having a </a:t>
+            </a:r>
+            <a:r>
+              <a:rPr lang="en-US" sz="2400" b="1" dirty="0">
+                <a:latin typeface="Open Sans" panose="020B0604020202020204" charset="0"/>
+                <a:ea typeface="Open Sans" panose="020B0604020202020204" charset="0"/>
+                <a:cs typeface="Open Sans" panose="020B0604020202020204" charset="0"/>
+              </a:rPr>
+              <a:t>next() </a:t>
+            </a:r>
+            <a:r>
+              <a:rPr lang="en-US" sz="2400" dirty="0">
+                <a:latin typeface="Open Sans" panose="020B0604020202020204" charset="0"/>
+                <a:ea typeface="Open Sans" panose="020B0604020202020204" charset="0"/>
+                <a:cs typeface="Open Sans" panose="020B0604020202020204" charset="0"/>
+              </a:rPr>
+              <a:t>method returns an object with two properties:</a:t>
             </a:r>
             <a:br>
-              <a:rPr lang="en-US" sz="4000" dirty="0"/>
+              <a:rPr lang="en-US" sz="2400" dirty="0">
+                <a:latin typeface="Open Sans" panose="020B0604020202020204" charset="0"/>
+                <a:ea typeface="Open Sans" panose="020B0604020202020204" charset="0"/>
+                <a:cs typeface="Open Sans" panose="020B0604020202020204" charset="0"/>
+              </a:rPr>
             </a:br>
             <a:r>
+              <a:rPr lang="en-US" sz="2400" b="1" dirty="0">
+                <a:latin typeface="Open Sans" panose="020B0604020202020204" charset="0"/>
+                <a:ea typeface="Open Sans" panose="020B0604020202020204" charset="0"/>
+                <a:cs typeface="Open Sans" panose="020B0604020202020204" charset="0"/>
+              </a:rPr>
+              <a:t>value</a:t>
+            </a:r>
+            <a:br>
               <a:rPr lang="en-US" sz="2400" dirty="0">
                 <a:latin typeface="Open Sans" panose="020B0604020202020204" charset="0"/>
                 <a:ea typeface="Open Sans" panose="020B0604020202020204" charset="0"/>
                 <a:cs typeface="Open Sans" panose="020B0604020202020204" charset="0"/>
               </a:rPr>
-              <a:t>array-like objects and provide a mechanism for accessing raw binary data.</a:t>
+            </a:br>
+            <a:r>
+              <a:rPr lang="en-US" sz="2400" dirty="0">
+                <a:latin typeface="Open Sans" panose="020B0604020202020204" charset="0"/>
+                <a:ea typeface="Open Sans" panose="020B0604020202020204" charset="0"/>
+                <a:cs typeface="Open Sans" panose="020B0604020202020204" charset="0"/>
+              </a:rPr>
+              <a:t>  The next value in the iteration sequence.</a:t>
+            </a:r>
+            <a:br>
+              <a:rPr lang="en-US" sz="2400" dirty="0">
+                <a:latin typeface="Open Sans" panose="020B0604020202020204" charset="0"/>
+                <a:ea typeface="Open Sans" panose="020B0604020202020204" charset="0"/>
+                <a:cs typeface="Open Sans" panose="020B0604020202020204" charset="0"/>
+              </a:rPr>
+            </a:br>
+            <a:r>
+              <a:rPr lang="en-US" sz="2400" b="1" dirty="0">
+                <a:latin typeface="Open Sans" panose="020B0604020202020204" charset="0"/>
+                <a:ea typeface="Open Sans" panose="020B0604020202020204" charset="0"/>
+                <a:cs typeface="Open Sans" panose="020B0604020202020204" charset="0"/>
+              </a:rPr>
+              <a:t>done</a:t>
+            </a:r>
+            <a:br>
+              <a:rPr lang="en-US" sz="2400" dirty="0">
+                <a:latin typeface="Open Sans" panose="020B0604020202020204" charset="0"/>
+                <a:ea typeface="Open Sans" panose="020B0604020202020204" charset="0"/>
+                <a:cs typeface="Open Sans" panose="020B0604020202020204" charset="0"/>
+              </a:rPr>
+            </a:br>
+            <a:r>
+              <a:rPr lang="en-US" sz="2400" dirty="0">
+                <a:latin typeface="Open Sans" panose="020B0604020202020204" charset="0"/>
+                <a:ea typeface="Open Sans" panose="020B0604020202020204" charset="0"/>
+                <a:cs typeface="Open Sans" panose="020B0604020202020204" charset="0"/>
+              </a:rPr>
+              <a:t>  This is true if the last value in the sequence has already been consumed. If value is present alongside done, it is the iterator's return value.</a:t>
             </a:r>
             <a:endParaRPr lang="uk-UA" sz="2400" dirty="0">
               <a:latin typeface="Open Sans" panose="020B0604020202020204" charset="0"/>
@@ -9887,35 +11053,10 @@
           </a:p>
         </p:txBody>
       </p:sp>
-      <p:sp>
-        <p:nvSpPr>
-          <p:cNvPr id="3" name="Текст 2">
-            <a:extLst>
-              <a:ext uri="{FF2B5EF4-FFF2-40B4-BE49-F238E27FC236}">
-                <a16:creationId xmlns:a16="http://schemas.microsoft.com/office/drawing/2014/main" id="{5A0C2E9E-1892-4707-BEC0-AAC0F22E0E0A}"/>
-              </a:ext>
-            </a:extLst>
-          </p:cNvPr>
-          <p:cNvSpPr>
-            <a:spLocks noGrp="1"/>
-          </p:cNvSpPr>
-          <p:nvPr>
-            <p:ph type="body" sz="quarter" idx="10"/>
-          </p:nvPr>
-        </p:nvSpPr>
-        <p:spPr/>
-        <p:txBody>
-          <a:bodyPr/>
-          <a:lstStyle/>
-          <a:p>
-            <a:endParaRPr lang="uk-UA"/>
-          </a:p>
-        </p:txBody>
-      </p:sp>
     </p:spTree>
     <p:extLst>
       <p:ext uri="{BB962C8B-B14F-4D97-AF65-F5344CB8AC3E}">
-        <p14:creationId xmlns:p14="http://schemas.microsoft.com/office/powerpoint/2010/main" val="1028711805"/>
+        <p14:creationId xmlns:p14="http://schemas.microsoft.com/office/powerpoint/2010/main" val="3609082048"/>
       </p:ext>
     </p:extLst>
   </p:cSld>
@@ -9947,7 +11088,7 @@
           <p:cNvPr id="2" name="Заголовок 1">
             <a:extLst>
               <a:ext uri="{FF2B5EF4-FFF2-40B4-BE49-F238E27FC236}">
-                <a16:creationId xmlns:a16="http://schemas.microsoft.com/office/drawing/2014/main" id="{A3CEE46D-C04F-46EB-958E-E31D063CF813}"/>
+                <a16:creationId xmlns:a16="http://schemas.microsoft.com/office/drawing/2014/main" id="{ECE617A2-8396-47D2-A27A-28F3C8BDCDA8}"/>
               </a:ext>
             </a:extLst>
           </p:cNvPr>
@@ -9969,26 +11110,12 @@
               </a:lnSpc>
             </a:pPr>
             <a:r>
-              <a:rPr lang="en-US" sz="4000" dirty="0"/>
-              <a:t>Buffers and views: typed array architecture</a:t>
-            </a:r>
-            <a:br>
-              <a:rPr lang="en-US" sz="4000" dirty="0"/>
-            </a:br>
-            <a:br>
-              <a:rPr lang="en-US" sz="4000" dirty="0"/>
-            </a:br>
-            <a:r>
-              <a:rPr lang="en-US" sz="4000" dirty="0"/>
-              <a:t> </a:t>
-            </a:r>
-            <a:r>
               <a:rPr lang="en-US" sz="2400" dirty="0">
                 <a:latin typeface="Open Sans" panose="020B0604020202020204" charset="0"/>
                 <a:ea typeface="Open Sans" panose="020B0604020202020204" charset="0"/>
                 <a:cs typeface="Open Sans" panose="020B0604020202020204" charset="0"/>
               </a:rPr>
-              <a:t>A buffer (implemented by the </a:t>
+              <a:t>The most common iterator in </a:t>
             </a:r>
             <a:r>
               <a:rPr lang="en-US" sz="2400" dirty="0" err="1">
@@ -9996,7 +11123,7 @@
                 <a:ea typeface="Open Sans" panose="020B0604020202020204" charset="0"/>
                 <a:cs typeface="Open Sans" panose="020B0604020202020204" charset="0"/>
               </a:rPr>
-              <a:t>ArrayBuffer</a:t>
+              <a:t>Javascript</a:t>
             </a:r>
             <a:r>
               <a:rPr lang="en-US" sz="2400" dirty="0">
@@ -10004,29 +11131,7 @@
                 <a:ea typeface="Open Sans" panose="020B0604020202020204" charset="0"/>
                 <a:cs typeface="Open Sans" panose="020B0604020202020204" charset="0"/>
               </a:rPr>
-              <a:t> object) is an object representing a chunk of data; it has no format to speak of, and offers no mechanism for accessing its contents. In order to access the memory contained in a buffer, you need to use a view. </a:t>
-            </a:r>
-            <a:br>
-              <a:rPr lang="en-US" sz="2400" dirty="0">
-                <a:latin typeface="Open Sans" panose="020B0604020202020204" charset="0"/>
-                <a:ea typeface="Open Sans" panose="020B0604020202020204" charset="0"/>
-                <a:cs typeface="Open Sans" panose="020B0604020202020204" charset="0"/>
-              </a:rPr>
-            </a:br>
-            <a:br>
-              <a:rPr lang="en-US" sz="2400" dirty="0">
-                <a:latin typeface="Open Sans" panose="020B0604020202020204" charset="0"/>
-                <a:ea typeface="Open Sans" panose="020B0604020202020204" charset="0"/>
-                <a:cs typeface="Open Sans" panose="020B0604020202020204" charset="0"/>
-              </a:rPr>
-            </a:br>
-            <a:r>
-              <a:rPr lang="en-US" sz="2400" dirty="0">
-                <a:latin typeface="Open Sans" panose="020B0604020202020204" charset="0"/>
-                <a:ea typeface="Open Sans" panose="020B0604020202020204" charset="0"/>
-                <a:cs typeface="Open Sans" panose="020B0604020202020204" charset="0"/>
-              </a:rPr>
-              <a:t> A view provides a context — that is, a data type, starting offset, and number of elements — that turns the data into an actual typed array.</a:t>
+              <a:t> is the Array iterator, which simply returns each value in the associated array in sequence.</a:t>
             </a:r>
             <a:endParaRPr lang="uk-UA" sz="2400" dirty="0">
               <a:latin typeface="Open Sans" panose="020B0604020202020204" charset="0"/>
@@ -10036,35 +11141,10 @@
           </a:p>
         </p:txBody>
       </p:sp>
-      <p:sp>
-        <p:nvSpPr>
-          <p:cNvPr id="3" name="Текст 2">
-            <a:extLst>
-              <a:ext uri="{FF2B5EF4-FFF2-40B4-BE49-F238E27FC236}">
-                <a16:creationId xmlns:a16="http://schemas.microsoft.com/office/drawing/2014/main" id="{4F203D22-C8C1-4568-B850-6150FD621657}"/>
-              </a:ext>
-            </a:extLst>
-          </p:cNvPr>
-          <p:cNvSpPr>
-            <a:spLocks noGrp="1"/>
-          </p:cNvSpPr>
-          <p:nvPr>
-            <p:ph type="body" sz="quarter" idx="10"/>
-          </p:nvPr>
-        </p:nvSpPr>
-        <p:spPr/>
-        <p:txBody>
-          <a:bodyPr/>
-          <a:lstStyle/>
-          <a:p>
-            <a:endParaRPr lang="uk-UA"/>
-          </a:p>
-        </p:txBody>
-      </p:sp>
     </p:spTree>
     <p:extLst>
       <p:ext uri="{BB962C8B-B14F-4D97-AF65-F5344CB8AC3E}">
-        <p14:creationId xmlns:p14="http://schemas.microsoft.com/office/powerpoint/2010/main" val="641264452"/>
+        <p14:creationId xmlns:p14="http://schemas.microsoft.com/office/powerpoint/2010/main" val="1085607870"/>
       </p:ext>
     </p:extLst>
   </p:cSld>
@@ -10096,7 +11176,7 @@
           <p:cNvPr id="2" name="Заголовок 1">
             <a:extLst>
               <a:ext uri="{FF2B5EF4-FFF2-40B4-BE49-F238E27FC236}">
-                <a16:creationId xmlns:a16="http://schemas.microsoft.com/office/drawing/2014/main" id="{B3464F21-4CA9-417F-A12B-21420B7D3956}"/>
+                <a16:creationId xmlns:a16="http://schemas.microsoft.com/office/drawing/2014/main" id="{72F3BF43-64CF-4AD7-A3FC-55A79F0A48ED}"/>
               </a:ext>
             </a:extLst>
           </p:cNvPr>
@@ -10112,86 +11192,54 @@
           <a:bodyPr/>
           <a:lstStyle/>
           <a:p>
-            <a:pPr>
-              <a:lnSpc>
-                <a:spcPct val="100000"/>
-              </a:lnSpc>
-            </a:pPr>
-            <a:r>
-              <a:rPr lang="en-US" sz="4000" dirty="0" err="1"/>
-              <a:t>ArrayBuffer</a:t>
-            </a:r>
-            <a:br>
-              <a:rPr lang="en-US" sz="4000" dirty="0"/>
-            </a:br>
-            <a:r>
-              <a:rPr lang="en-US" sz="2400" dirty="0">
-                <a:latin typeface="Open Sans" panose="020B0604020202020204" charset="0"/>
-                <a:ea typeface="Open Sans" panose="020B0604020202020204" charset="0"/>
-                <a:cs typeface="Open Sans" panose="020B0604020202020204" charset="0"/>
-              </a:rPr>
-              <a:t>The </a:t>
-            </a:r>
-            <a:r>
-              <a:rPr lang="en-US" sz="2400" dirty="0" err="1">
-                <a:latin typeface="Open Sans" panose="020B0604020202020204" charset="0"/>
-                <a:ea typeface="Open Sans" panose="020B0604020202020204" charset="0"/>
-                <a:cs typeface="Open Sans" panose="020B0604020202020204" charset="0"/>
-              </a:rPr>
-              <a:t>ArrayBuffer</a:t>
-            </a:r>
-            <a:r>
-              <a:rPr lang="en-US" sz="2400" dirty="0">
-                <a:latin typeface="Open Sans" panose="020B0604020202020204" charset="0"/>
-                <a:ea typeface="Open Sans" panose="020B0604020202020204" charset="0"/>
-                <a:cs typeface="Open Sans" panose="020B0604020202020204" charset="0"/>
-              </a:rPr>
-              <a:t> is a data type that is used to represent a generic, fixed-length binary data buffer. You can't directly manipulate the contents of an </a:t>
-            </a:r>
-            <a:r>
-              <a:rPr lang="en-US" sz="2400" dirty="0" err="1">
-                <a:latin typeface="Open Sans" panose="020B0604020202020204" charset="0"/>
-                <a:ea typeface="Open Sans" panose="020B0604020202020204" charset="0"/>
-                <a:cs typeface="Open Sans" panose="020B0604020202020204" charset="0"/>
-              </a:rPr>
-              <a:t>ArrayBuffer</a:t>
-            </a:r>
-            <a:r>
-              <a:rPr lang="en-US" sz="2400" dirty="0">
-                <a:latin typeface="Open Sans" panose="020B0604020202020204" charset="0"/>
-                <a:ea typeface="Open Sans" panose="020B0604020202020204" charset="0"/>
-                <a:cs typeface="Open Sans" panose="020B0604020202020204" charset="0"/>
-              </a:rPr>
-              <a:t>; instead, you create a typed array view or a </a:t>
-            </a:r>
-            <a:r>
-              <a:rPr lang="en-US" sz="2400" dirty="0" err="1">
-                <a:latin typeface="Open Sans" panose="020B0604020202020204" charset="0"/>
-                <a:ea typeface="Open Sans" panose="020B0604020202020204" charset="0"/>
-                <a:cs typeface="Open Sans" panose="020B0604020202020204" charset="0"/>
-              </a:rPr>
-              <a:t>DataView</a:t>
-            </a:r>
-            <a:r>
-              <a:rPr lang="en-US" sz="2400" dirty="0">
-                <a:latin typeface="Open Sans" panose="020B0604020202020204" charset="0"/>
-                <a:ea typeface="Open Sans" panose="020B0604020202020204" charset="0"/>
-                <a:cs typeface="Open Sans" panose="020B0604020202020204" charset="0"/>
-              </a:rPr>
-              <a:t> which represents the buffer in a specific format, and use that to read and write the contents of the buffer.</a:t>
-            </a:r>
-            <a:endParaRPr lang="uk-UA" sz="2400" dirty="0">
-              <a:latin typeface="Open Sans" panose="020B0604020202020204" charset="0"/>
-              <a:ea typeface="Open Sans" panose="020B0604020202020204" charset="0"/>
-              <a:cs typeface="Open Sans" panose="020B0604020202020204" charset="0"/>
-            </a:endParaRPr>
-          </a:p>
-        </p:txBody>
-      </p:sp>
+            <a:r>
+              <a:rPr lang="en-US" sz="100" dirty="0"/>
+              <a:t>.</a:t>
+            </a:r>
+            <a:endParaRPr lang="uk-UA" sz="100" dirty="0"/>
+          </a:p>
+        </p:txBody>
+      </p:sp>
+      <p:pic>
+        <p:nvPicPr>
+          <p:cNvPr id="5" name="Рисунок 4">
+            <a:extLst>
+              <a:ext uri="{FF2B5EF4-FFF2-40B4-BE49-F238E27FC236}">
+                <a16:creationId xmlns:a16="http://schemas.microsoft.com/office/drawing/2014/main" id="{44C3B0C5-6C21-4606-86CA-95180457E02C}"/>
+              </a:ext>
+            </a:extLst>
+          </p:cNvPr>
+          <p:cNvPicPr>
+            <a:picLocks noChangeAspect="1"/>
+          </p:cNvPicPr>
+          <p:nvPr/>
+        </p:nvPicPr>
+        <p:blipFill>
+          <a:blip r:embed="rId3">
+            <a:extLst>
+              <a:ext uri="{28A0092B-C50C-407E-A947-70E740481C1C}">
+                <a14:useLocalDpi xmlns:a14="http://schemas.microsoft.com/office/drawing/2010/main" val="0"/>
+              </a:ext>
+            </a:extLst>
+          </a:blip>
+          <a:stretch>
+            <a:fillRect/>
+          </a:stretch>
+        </p:blipFill>
+        <p:spPr>
+          <a:xfrm>
+            <a:off x="3068865" y="673126"/>
+            <a:ext cx="6054270" cy="5499075"/>
+          </a:xfrm>
+          <a:prstGeom prst="rect">
+            <a:avLst/>
+          </a:prstGeom>
+        </p:spPr>
+      </p:pic>
     </p:spTree>
     <p:extLst>
       <p:ext uri="{BB962C8B-B14F-4D97-AF65-F5344CB8AC3E}">
-        <p14:creationId xmlns:p14="http://schemas.microsoft.com/office/powerpoint/2010/main" val="3351399790"/>
+        <p14:creationId xmlns:p14="http://schemas.microsoft.com/office/powerpoint/2010/main" val="564474123"/>
       </p:ext>
     </p:extLst>
   </p:cSld>
@@ -10218,46 +11266,52 @@
           <a:chExt cx="0" cy="0"/>
         </a:xfrm>
       </p:grpSpPr>
-      <p:pic>
-        <p:nvPicPr>
-          <p:cNvPr id="5" name="Рисунок 4">
+      <p:sp>
+        <p:nvSpPr>
+          <p:cNvPr id="2" name="Заголовок 1">
             <a:extLst>
               <a:ext uri="{FF2B5EF4-FFF2-40B4-BE49-F238E27FC236}">
-                <a16:creationId xmlns:a16="http://schemas.microsoft.com/office/drawing/2014/main" id="{5731D011-11E1-40B7-A6F3-10B36060CE96}"/>
+                <a16:creationId xmlns:a16="http://schemas.microsoft.com/office/drawing/2014/main" id="{95026C6B-3ED3-4DD6-A421-C03F1E578185}"/>
               </a:ext>
             </a:extLst>
           </p:cNvPr>
-          <p:cNvPicPr>
-            <a:picLocks noChangeAspect="1"/>
-          </p:cNvPicPr>
-          <p:nvPr/>
-        </p:nvPicPr>
-        <p:blipFill>
-          <a:blip r:embed="rId2">
-            <a:extLst>
-              <a:ext uri="{28A0092B-C50C-407E-A947-70E740481C1C}">
-                <a14:useLocalDpi xmlns:a14="http://schemas.microsoft.com/office/drawing/2010/main" val="0"/>
-              </a:ext>
-            </a:extLst>
-          </a:blip>
-          <a:stretch>
-            <a:fillRect/>
-          </a:stretch>
-        </p:blipFill>
-        <p:spPr>
-          <a:xfrm>
-            <a:off x="1412441" y="990600"/>
-            <a:ext cx="9367117" cy="3909998"/>
-          </a:xfrm>
-          <a:prstGeom prst="rect">
-            <a:avLst/>
-          </a:prstGeom>
-        </p:spPr>
-      </p:pic>
+          <p:cNvSpPr>
+            <a:spLocks noGrp="1"/>
+          </p:cNvSpPr>
+          <p:nvPr>
+            <p:ph type="title"/>
+          </p:nvPr>
+        </p:nvSpPr>
+        <p:spPr/>
+        <p:txBody>
+          <a:bodyPr/>
+          <a:lstStyle/>
+          <a:p>
+            <a:pPr>
+              <a:lnSpc>
+                <a:spcPct val="100000"/>
+              </a:lnSpc>
+            </a:pPr>
+            <a:r>
+              <a:rPr lang="en-US" sz="2400" dirty="0">
+                <a:latin typeface="Open Sans" panose="020B0604020202020204" charset="0"/>
+                <a:ea typeface="Open Sans" panose="020B0604020202020204" charset="0"/>
+                <a:cs typeface="Open Sans" panose="020B0604020202020204" charset="0"/>
+              </a:rPr>
+              <a:t>Iterators are consumed only as necessary. Because of this, iterators can express sequences of unlimited size, such as the range of integers between 0 and Infinity.</a:t>
+            </a:r>
+            <a:endParaRPr lang="uk-UA" sz="2400" dirty="0">
+              <a:latin typeface="Open Sans" panose="020B0604020202020204" charset="0"/>
+              <a:ea typeface="Open Sans" panose="020B0604020202020204" charset="0"/>
+              <a:cs typeface="Open Sans" panose="020B0604020202020204" charset="0"/>
+            </a:endParaRPr>
+          </a:p>
+        </p:txBody>
+      </p:sp>
     </p:spTree>
     <p:extLst>
       <p:ext uri="{BB962C8B-B14F-4D97-AF65-F5344CB8AC3E}">
-        <p14:creationId xmlns:p14="http://schemas.microsoft.com/office/powerpoint/2010/main" val="1489792906"/>
+        <p14:creationId xmlns:p14="http://schemas.microsoft.com/office/powerpoint/2010/main" val="2499660817"/>
       </p:ext>
     </p:extLst>
   </p:cSld>
@@ -10289,6 +11343,456 @@
           <p:cNvPr id="2" name="Заголовок 1">
             <a:extLst>
               <a:ext uri="{FF2B5EF4-FFF2-40B4-BE49-F238E27FC236}">
+                <a16:creationId xmlns:a16="http://schemas.microsoft.com/office/drawing/2014/main" id="{BA30F038-DBE7-4D7E-B62A-CF9631F60322}"/>
+              </a:ext>
+            </a:extLst>
+          </p:cNvPr>
+          <p:cNvSpPr>
+            <a:spLocks noGrp="1"/>
+          </p:cNvSpPr>
+          <p:nvPr>
+            <p:ph type="title"/>
+          </p:nvPr>
+        </p:nvSpPr>
+        <p:spPr/>
+        <p:txBody>
+          <a:bodyPr/>
+          <a:lstStyle/>
+          <a:p>
+            <a:pPr>
+              <a:lnSpc>
+                <a:spcPct val="100000"/>
+              </a:lnSpc>
+            </a:pPr>
+            <a:r>
+              <a:rPr lang="en-US" sz="3000" dirty="0"/>
+              <a:t>Custom iterators object example</a:t>
+            </a:r>
+            <a:endParaRPr lang="uk-UA" sz="3000" dirty="0"/>
+          </a:p>
+        </p:txBody>
+      </p:sp>
+      <p:pic>
+        <p:nvPicPr>
+          <p:cNvPr id="9" name="Рисунок 8">
+            <a:extLst>
+              <a:ext uri="{FF2B5EF4-FFF2-40B4-BE49-F238E27FC236}">
+                <a16:creationId xmlns:a16="http://schemas.microsoft.com/office/drawing/2014/main" id="{46078F94-8A53-414C-9512-14F68E9EF0D6}"/>
+              </a:ext>
+            </a:extLst>
+          </p:cNvPr>
+          <p:cNvPicPr>
+            <a:picLocks noChangeAspect="1"/>
+          </p:cNvPicPr>
+          <p:nvPr/>
+        </p:nvPicPr>
+        <p:blipFill>
+          <a:blip r:embed="rId3">
+            <a:extLst>
+              <a:ext uri="{28A0092B-C50C-407E-A947-70E740481C1C}">
+                <a14:useLocalDpi xmlns:a14="http://schemas.microsoft.com/office/drawing/2010/main" val="0"/>
+              </a:ext>
+            </a:extLst>
+          </a:blip>
+          <a:stretch>
+            <a:fillRect/>
+          </a:stretch>
+        </p:blipFill>
+        <p:spPr>
+          <a:xfrm>
+            <a:off x="2888674" y="1371600"/>
+            <a:ext cx="6088065" cy="5117303"/>
+          </a:xfrm>
+          <a:prstGeom prst="rect">
+            <a:avLst/>
+          </a:prstGeom>
+        </p:spPr>
+      </p:pic>
+    </p:spTree>
+    <p:extLst>
+      <p:ext uri="{BB962C8B-B14F-4D97-AF65-F5344CB8AC3E}">
+        <p14:creationId xmlns:p14="http://schemas.microsoft.com/office/powerpoint/2010/main" val="1137008457"/>
+      </p:ext>
+    </p:extLst>
+  </p:cSld>
+  <p:clrMapOvr>
+    <a:masterClrMapping/>
+  </p:clrMapOvr>
+</p:sld>
+</file>
+
+<file path=ppt/slides/slide25.xml><?xml version="1.0" encoding="utf-8"?>
+<p:sld xmlns:a="http://schemas.openxmlformats.org/drawingml/2006/main" xmlns:r="http://schemas.openxmlformats.org/officeDocument/2006/relationships" xmlns:p="http://schemas.openxmlformats.org/presentationml/2006/main">
+  <p:cSld>
+    <p:spTree>
+      <p:nvGrpSpPr>
+        <p:cNvPr id="1" name=""/>
+        <p:cNvGrpSpPr/>
+        <p:nvPr/>
+      </p:nvGrpSpPr>
+      <p:grpSpPr>
+        <a:xfrm>
+          <a:off x="0" y="0"/>
+          <a:ext cx="0" cy="0"/>
+          <a:chOff x="0" y="0"/>
+          <a:chExt cx="0" cy="0"/>
+        </a:xfrm>
+      </p:grpSpPr>
+      <p:sp>
+        <p:nvSpPr>
+          <p:cNvPr id="2" name="Заголовок 1">
+            <a:extLst>
+              <a:ext uri="{FF2B5EF4-FFF2-40B4-BE49-F238E27FC236}">
+                <a16:creationId xmlns:a16="http://schemas.microsoft.com/office/drawing/2014/main" id="{0B3670FE-5626-4BA0-AEDB-374CFCEC5C18}"/>
+              </a:ext>
+            </a:extLst>
+          </p:cNvPr>
+          <p:cNvSpPr>
+            <a:spLocks noGrp="1"/>
+          </p:cNvSpPr>
+          <p:nvPr>
+            <p:ph type="title"/>
+          </p:nvPr>
+        </p:nvSpPr>
+        <p:spPr/>
+        <p:txBody>
+          <a:bodyPr/>
+          <a:lstStyle/>
+          <a:p>
+            <a:pPr>
+              <a:lnSpc>
+                <a:spcPct val="100000"/>
+              </a:lnSpc>
+            </a:pPr>
+            <a:r>
+              <a:rPr lang="en-US" sz="4000" dirty="0"/>
+              <a:t>Typed Array</a:t>
+            </a:r>
+            <a:br>
+              <a:rPr lang="en-US" sz="4000" dirty="0"/>
+            </a:br>
+            <a:r>
+              <a:rPr lang="en-US" sz="2400" dirty="0">
+                <a:latin typeface="Open Sans" panose="020B0604020202020204" charset="0"/>
+                <a:ea typeface="Open Sans" panose="020B0604020202020204" charset="0"/>
+                <a:cs typeface="Open Sans" panose="020B0604020202020204" charset="0"/>
+              </a:rPr>
+              <a:t>Array-like objects that provide a mechanism for reading and writing raw binary data in memory buffers.</a:t>
+            </a:r>
+            <a:br>
+              <a:rPr lang="en-US" sz="2400" dirty="0">
+                <a:latin typeface="Open Sans" panose="020B0604020202020204" charset="0"/>
+                <a:ea typeface="Open Sans" panose="020B0604020202020204" charset="0"/>
+                <a:cs typeface="Open Sans" panose="020B0604020202020204" charset="0"/>
+              </a:rPr>
+            </a:br>
+            <a:br>
+              <a:rPr lang="en-US" sz="2400" dirty="0">
+                <a:latin typeface="Open Sans" panose="020B0604020202020204" charset="0"/>
+                <a:ea typeface="Open Sans" panose="020B0604020202020204" charset="0"/>
+                <a:cs typeface="Open Sans" panose="020B0604020202020204" charset="0"/>
+              </a:rPr>
+            </a:br>
+            <a:r>
+              <a:rPr lang="en-US" sz="2400" dirty="0">
+                <a:latin typeface="Open Sans" panose="020B0604020202020204" charset="0"/>
+                <a:ea typeface="Open Sans" panose="020B0604020202020204" charset="0"/>
+                <a:cs typeface="Open Sans" panose="020B0604020202020204" charset="0"/>
+              </a:rPr>
+              <a:t>Each entry in a JavaScript typed array is a raw binary value in one of a number of supported formats, from 8-bit integers to 64-bit floating-point numbers.</a:t>
+            </a:r>
+            <a:br>
+              <a:rPr lang="en-US" sz="2400" dirty="0">
+                <a:latin typeface="Open Sans" panose="020B0604020202020204" charset="0"/>
+                <a:ea typeface="Open Sans" panose="020B0604020202020204" charset="0"/>
+                <a:cs typeface="Open Sans" panose="020B0604020202020204" charset="0"/>
+              </a:rPr>
+            </a:br>
+            <a:br>
+              <a:rPr lang="en-US" sz="2400" dirty="0">
+                <a:latin typeface="Open Sans" panose="020B0604020202020204" charset="0"/>
+                <a:ea typeface="Open Sans" panose="020B0604020202020204" charset="0"/>
+                <a:cs typeface="Open Sans" panose="020B0604020202020204" charset="0"/>
+              </a:rPr>
+            </a:br>
+            <a:endParaRPr lang="uk-UA" sz="2400" dirty="0">
+              <a:latin typeface="Open Sans" panose="020B0604020202020204" charset="0"/>
+              <a:ea typeface="Open Sans" panose="020B0604020202020204" charset="0"/>
+              <a:cs typeface="Open Sans" panose="020B0604020202020204" charset="0"/>
+            </a:endParaRPr>
+          </a:p>
+        </p:txBody>
+      </p:sp>
+    </p:spTree>
+    <p:extLst>
+      <p:ext uri="{BB962C8B-B14F-4D97-AF65-F5344CB8AC3E}">
+        <p14:creationId xmlns:p14="http://schemas.microsoft.com/office/powerpoint/2010/main" val="1028711805"/>
+      </p:ext>
+    </p:extLst>
+  </p:cSld>
+  <p:clrMapOvr>
+    <a:masterClrMapping/>
+  </p:clrMapOvr>
+</p:sld>
+</file>
+
+<file path=ppt/slides/slide26.xml><?xml version="1.0" encoding="utf-8"?>
+<p:sld xmlns:a="http://schemas.openxmlformats.org/drawingml/2006/main" xmlns:r="http://schemas.openxmlformats.org/officeDocument/2006/relationships" xmlns:p="http://schemas.openxmlformats.org/presentationml/2006/main">
+  <p:cSld>
+    <p:spTree>
+      <p:nvGrpSpPr>
+        <p:cNvPr id="1" name=""/>
+        <p:cNvGrpSpPr/>
+        <p:nvPr/>
+      </p:nvGrpSpPr>
+      <p:grpSpPr>
+        <a:xfrm>
+          <a:off x="0" y="0"/>
+          <a:ext cx="0" cy="0"/>
+          <a:chOff x="0" y="0"/>
+          <a:chExt cx="0" cy="0"/>
+        </a:xfrm>
+      </p:grpSpPr>
+      <p:sp>
+        <p:nvSpPr>
+          <p:cNvPr id="2" name="Заголовок 1">
+            <a:extLst>
+              <a:ext uri="{FF2B5EF4-FFF2-40B4-BE49-F238E27FC236}">
+                <a16:creationId xmlns:a16="http://schemas.microsoft.com/office/drawing/2014/main" id="{A3CEE46D-C04F-46EB-958E-E31D063CF813}"/>
+              </a:ext>
+            </a:extLst>
+          </p:cNvPr>
+          <p:cNvSpPr>
+            <a:spLocks noGrp="1"/>
+          </p:cNvSpPr>
+          <p:nvPr>
+            <p:ph type="title"/>
+          </p:nvPr>
+        </p:nvSpPr>
+        <p:spPr/>
+        <p:txBody>
+          <a:bodyPr/>
+          <a:lstStyle/>
+          <a:p>
+            <a:pPr>
+              <a:lnSpc>
+                <a:spcPct val="100000"/>
+              </a:lnSpc>
+            </a:pPr>
+            <a:r>
+              <a:rPr lang="en-US" sz="4000" dirty="0"/>
+              <a:t>Buffers and views: typed array architecture</a:t>
+            </a:r>
+            <a:br>
+              <a:rPr lang="en-US" sz="4000" dirty="0"/>
+            </a:br>
+            <a:br>
+              <a:rPr lang="en-US" sz="4000" dirty="0"/>
+            </a:br>
+            <a:r>
+              <a:rPr lang="en-US" sz="4000" dirty="0"/>
+              <a:t> </a:t>
+            </a:r>
+            <a:r>
+              <a:rPr lang="en-US" sz="2400" dirty="0">
+                <a:latin typeface="Open Sans" panose="020B0604020202020204" charset="0"/>
+                <a:ea typeface="Open Sans" panose="020B0604020202020204" charset="0"/>
+                <a:cs typeface="Open Sans" panose="020B0604020202020204" charset="0"/>
+              </a:rPr>
+              <a:t>A buffer (implemented by the </a:t>
+            </a:r>
+            <a:r>
+              <a:rPr lang="en-US" sz="2400" dirty="0" err="1">
+                <a:latin typeface="Open Sans" panose="020B0604020202020204" charset="0"/>
+                <a:ea typeface="Open Sans" panose="020B0604020202020204" charset="0"/>
+                <a:cs typeface="Open Sans" panose="020B0604020202020204" charset="0"/>
+              </a:rPr>
+              <a:t>ArrayBuffer</a:t>
+            </a:r>
+            <a:r>
+              <a:rPr lang="en-US" sz="2400" dirty="0">
+                <a:latin typeface="Open Sans" panose="020B0604020202020204" charset="0"/>
+                <a:ea typeface="Open Sans" panose="020B0604020202020204" charset="0"/>
+                <a:cs typeface="Open Sans" panose="020B0604020202020204" charset="0"/>
+              </a:rPr>
+              <a:t> object) is an object representing a chunk of data; it has no format to speak of, and offers no mechanism for accessing its contents. In order to access the memory contained in a buffer, you need to use a view. </a:t>
+            </a:r>
+            <a:br>
+              <a:rPr lang="en-US" sz="2400" dirty="0">
+                <a:latin typeface="Open Sans" panose="020B0604020202020204" charset="0"/>
+                <a:ea typeface="Open Sans" panose="020B0604020202020204" charset="0"/>
+                <a:cs typeface="Open Sans" panose="020B0604020202020204" charset="0"/>
+              </a:rPr>
+            </a:br>
+            <a:br>
+              <a:rPr lang="en-US" sz="2400" dirty="0">
+                <a:latin typeface="Open Sans" panose="020B0604020202020204" charset="0"/>
+                <a:ea typeface="Open Sans" panose="020B0604020202020204" charset="0"/>
+                <a:cs typeface="Open Sans" panose="020B0604020202020204" charset="0"/>
+              </a:rPr>
+            </a:br>
+            <a:r>
+              <a:rPr lang="en-US" sz="2400" dirty="0">
+                <a:latin typeface="Open Sans" panose="020B0604020202020204" charset="0"/>
+                <a:ea typeface="Open Sans" panose="020B0604020202020204" charset="0"/>
+                <a:cs typeface="Open Sans" panose="020B0604020202020204" charset="0"/>
+              </a:rPr>
+              <a:t> A view provides a context — that is, a data type, starting offset, and number of elements — that turns the data into an actual typed array.</a:t>
+            </a:r>
+            <a:endParaRPr lang="uk-UA" sz="2400" dirty="0">
+              <a:latin typeface="Open Sans" panose="020B0604020202020204" charset="0"/>
+              <a:ea typeface="Open Sans" panose="020B0604020202020204" charset="0"/>
+              <a:cs typeface="Open Sans" panose="020B0604020202020204" charset="0"/>
+            </a:endParaRPr>
+          </a:p>
+        </p:txBody>
+      </p:sp>
+    </p:spTree>
+    <p:extLst>
+      <p:ext uri="{BB962C8B-B14F-4D97-AF65-F5344CB8AC3E}">
+        <p14:creationId xmlns:p14="http://schemas.microsoft.com/office/powerpoint/2010/main" val="641264452"/>
+      </p:ext>
+    </p:extLst>
+  </p:cSld>
+  <p:clrMapOvr>
+    <a:masterClrMapping/>
+  </p:clrMapOvr>
+</p:sld>
+</file>
+
+<file path=ppt/slides/slide27.xml><?xml version="1.0" encoding="utf-8"?>
+<p:sld xmlns:a="http://schemas.openxmlformats.org/drawingml/2006/main" xmlns:r="http://schemas.openxmlformats.org/officeDocument/2006/relationships" xmlns:p="http://schemas.openxmlformats.org/presentationml/2006/main">
+  <p:cSld>
+    <p:spTree>
+      <p:nvGrpSpPr>
+        <p:cNvPr id="1" name=""/>
+        <p:cNvGrpSpPr/>
+        <p:nvPr/>
+      </p:nvGrpSpPr>
+      <p:grpSpPr>
+        <a:xfrm>
+          <a:off x="0" y="0"/>
+          <a:ext cx="0" cy="0"/>
+          <a:chOff x="0" y="0"/>
+          <a:chExt cx="0" cy="0"/>
+        </a:xfrm>
+      </p:grpSpPr>
+      <p:sp>
+        <p:nvSpPr>
+          <p:cNvPr id="2" name="Заголовок 1">
+            <a:extLst>
+              <a:ext uri="{FF2B5EF4-FFF2-40B4-BE49-F238E27FC236}">
+                <a16:creationId xmlns:a16="http://schemas.microsoft.com/office/drawing/2014/main" id="{B3464F21-4CA9-417F-A12B-21420B7D3956}"/>
+              </a:ext>
+            </a:extLst>
+          </p:cNvPr>
+          <p:cNvSpPr>
+            <a:spLocks noGrp="1"/>
+          </p:cNvSpPr>
+          <p:nvPr>
+            <p:ph type="title"/>
+          </p:nvPr>
+        </p:nvSpPr>
+        <p:spPr/>
+        <p:txBody>
+          <a:bodyPr/>
+          <a:lstStyle/>
+          <a:p>
+            <a:pPr>
+              <a:lnSpc>
+                <a:spcPct val="100000"/>
+              </a:lnSpc>
+            </a:pPr>
+            <a:r>
+              <a:rPr lang="en-US" sz="4000" dirty="0" err="1"/>
+              <a:t>ArrayBuffer</a:t>
+            </a:r>
+            <a:br>
+              <a:rPr lang="en-US" sz="4000" dirty="0"/>
+            </a:br>
+            <a:r>
+              <a:rPr lang="en-US" sz="2400" dirty="0">
+                <a:latin typeface="Open Sans" panose="020B0604020202020204" charset="0"/>
+                <a:ea typeface="Open Sans" panose="020B0604020202020204" charset="0"/>
+                <a:cs typeface="Open Sans" panose="020B0604020202020204" charset="0"/>
+              </a:rPr>
+              <a:t>is a data type that is used to represent a generic, fixed-length binary data buffer. You can't directly manipulate the contents of an </a:t>
+            </a:r>
+            <a:r>
+              <a:rPr lang="en-US" sz="2400" dirty="0" err="1">
+                <a:latin typeface="Open Sans" panose="020B0604020202020204" charset="0"/>
+                <a:ea typeface="Open Sans" panose="020B0604020202020204" charset="0"/>
+                <a:cs typeface="Open Sans" panose="020B0604020202020204" charset="0"/>
+              </a:rPr>
+              <a:t>ArrayBuffer</a:t>
+            </a:r>
+            <a:r>
+              <a:rPr lang="en-US" sz="2400" dirty="0">
+                <a:latin typeface="Open Sans" panose="020B0604020202020204" charset="0"/>
+                <a:ea typeface="Open Sans" panose="020B0604020202020204" charset="0"/>
+                <a:cs typeface="Open Sans" panose="020B0604020202020204" charset="0"/>
+              </a:rPr>
+              <a:t>; instead, you create a typed array view or a </a:t>
+            </a:r>
+            <a:r>
+              <a:rPr lang="en-US" sz="2400" dirty="0" err="1">
+                <a:latin typeface="Open Sans" panose="020B0604020202020204" charset="0"/>
+                <a:ea typeface="Open Sans" panose="020B0604020202020204" charset="0"/>
+                <a:cs typeface="Open Sans" panose="020B0604020202020204" charset="0"/>
+              </a:rPr>
+              <a:t>DataView</a:t>
+            </a:r>
+            <a:r>
+              <a:rPr lang="en-US" sz="2400" dirty="0">
+                <a:latin typeface="Open Sans" panose="020B0604020202020204" charset="0"/>
+                <a:ea typeface="Open Sans" panose="020B0604020202020204" charset="0"/>
+                <a:cs typeface="Open Sans" panose="020B0604020202020204" charset="0"/>
+              </a:rPr>
+              <a:t> which represents the buffer in a specific format, and use that to read and write the contents of the buffer.</a:t>
+            </a:r>
+            <a:endParaRPr lang="uk-UA" sz="2400" dirty="0">
+              <a:latin typeface="Open Sans" panose="020B0604020202020204" charset="0"/>
+              <a:ea typeface="Open Sans" panose="020B0604020202020204" charset="0"/>
+              <a:cs typeface="Open Sans" panose="020B0604020202020204" charset="0"/>
+            </a:endParaRPr>
+          </a:p>
+        </p:txBody>
+      </p:sp>
+    </p:spTree>
+    <p:extLst>
+      <p:ext uri="{BB962C8B-B14F-4D97-AF65-F5344CB8AC3E}">
+        <p14:creationId xmlns:p14="http://schemas.microsoft.com/office/powerpoint/2010/main" val="3351399790"/>
+      </p:ext>
+    </p:extLst>
+  </p:cSld>
+  <p:clrMapOvr>
+    <a:masterClrMapping/>
+  </p:clrMapOvr>
+</p:sld>
+</file>
+
+<file path=ppt/slides/slide28.xml><?xml version="1.0" encoding="utf-8"?>
+<p:sld xmlns:a="http://schemas.openxmlformats.org/drawingml/2006/main" xmlns:r="http://schemas.openxmlformats.org/officeDocument/2006/relationships" xmlns:p="http://schemas.openxmlformats.org/presentationml/2006/main">
+  <p:cSld>
+    <p:spTree>
+      <p:nvGrpSpPr>
+        <p:cNvPr id="1" name=""/>
+        <p:cNvGrpSpPr/>
+        <p:nvPr/>
+      </p:nvGrpSpPr>
+      <p:grpSpPr>
+        <a:xfrm>
+          <a:off x="0" y="0"/>
+          <a:ext cx="0" cy="0"/>
+          <a:chOff x="0" y="0"/>
+          <a:chExt cx="0" cy="0"/>
+        </a:xfrm>
+      </p:grpSpPr>
+      <p:sp>
+        <p:nvSpPr>
+          <p:cNvPr id="2" name="Заголовок 1">
+            <a:extLst>
+              <a:ext uri="{FF2B5EF4-FFF2-40B4-BE49-F238E27FC236}">
                 <a16:creationId xmlns:a16="http://schemas.microsoft.com/office/drawing/2014/main" id="{73F54A9D-CCCA-43E1-AFD8-8233FEDC0E32}"/>
               </a:ext>
             </a:extLst>
@@ -10346,7 +11850,7 @@
 </p:sld>
 </file>
 
-<file path=ppt/slides/slide25.xml><?xml version="1.0" encoding="utf-8"?>
+<file path=ppt/slides/slide29.xml><?xml version="1.0" encoding="utf-8"?>
 <p:sld xmlns:a="http://schemas.openxmlformats.org/drawingml/2006/main" xmlns:r="http://schemas.openxmlformats.org/officeDocument/2006/relationships" xmlns:p="http://schemas.openxmlformats.org/presentationml/2006/main">
   <p:cSld>
     <p:spTree>
@@ -10412,290 +11916,6 @@
 </p:sld>
 </file>
 
-<file path=ppt/slides/slide26.xml><?xml version="1.0" encoding="utf-8"?>
-<p:sld xmlns:a="http://schemas.openxmlformats.org/drawingml/2006/main" xmlns:r="http://schemas.openxmlformats.org/officeDocument/2006/relationships" xmlns:p="http://schemas.openxmlformats.org/presentationml/2006/main">
-  <p:cSld>
-    <p:spTree>
-      <p:nvGrpSpPr>
-        <p:cNvPr id="1" name=""/>
-        <p:cNvGrpSpPr/>
-        <p:nvPr/>
-      </p:nvGrpSpPr>
-      <p:grpSpPr>
-        <a:xfrm>
-          <a:off x="0" y="0"/>
-          <a:ext cx="0" cy="0"/>
-          <a:chOff x="0" y="0"/>
-          <a:chExt cx="0" cy="0"/>
-        </a:xfrm>
-      </p:grpSpPr>
-      <p:sp>
-        <p:nvSpPr>
-          <p:cNvPr id="2" name="Заголовок 1">
-            <a:extLst>
-              <a:ext uri="{FF2B5EF4-FFF2-40B4-BE49-F238E27FC236}">
-                <a16:creationId xmlns:a16="http://schemas.microsoft.com/office/drawing/2014/main" id="{4D211CB4-80F8-481B-A7B2-B0040E865CCA}"/>
-              </a:ext>
-            </a:extLst>
-          </p:cNvPr>
-          <p:cNvSpPr>
-            <a:spLocks noGrp="1"/>
-          </p:cNvSpPr>
-          <p:nvPr>
-            <p:ph type="title"/>
-          </p:nvPr>
-        </p:nvSpPr>
-        <p:spPr/>
-        <p:txBody>
-          <a:bodyPr/>
-          <a:lstStyle/>
-          <a:p>
-            <a:pPr>
-              <a:lnSpc>
-                <a:spcPct val="100000"/>
-              </a:lnSpc>
-            </a:pPr>
-            <a:r>
-              <a:rPr lang="en-US" sz="5400" dirty="0"/>
-              <a:t>Keyed collections </a:t>
-            </a:r>
-            <a:br>
-              <a:rPr lang="en-US" sz="5400" dirty="0"/>
-            </a:br>
-            <a:br>
-              <a:rPr lang="uk-UA" sz="5400" dirty="0"/>
-            </a:br>
-            <a:r>
-              <a:rPr lang="en-US" sz="5400" dirty="0">
-                <a:latin typeface="Open Sans" panose="020B0604020202020204" charset="0"/>
-                <a:ea typeface="Open Sans" panose="020B0604020202020204" charset="0"/>
-                <a:cs typeface="Open Sans" panose="020B0604020202020204" charset="0"/>
-              </a:rPr>
-              <a:t>Map</a:t>
-            </a:r>
-            <a:br>
-              <a:rPr lang="en-US" sz="5400" dirty="0">
-                <a:latin typeface="Open Sans" panose="020B0604020202020204" charset="0"/>
-                <a:ea typeface="Open Sans" panose="020B0604020202020204" charset="0"/>
-                <a:cs typeface="Open Sans" panose="020B0604020202020204" charset="0"/>
-              </a:rPr>
-            </a:br>
-            <a:r>
-              <a:rPr lang="en-US" sz="5400" dirty="0">
-                <a:latin typeface="Open Sans" panose="020B0604020202020204" charset="0"/>
-                <a:ea typeface="Open Sans" panose="020B0604020202020204" charset="0"/>
-                <a:cs typeface="Open Sans" panose="020B0604020202020204" charset="0"/>
-              </a:rPr>
-              <a:t>Set</a:t>
-            </a:r>
-            <a:br>
-              <a:rPr lang="en-US" sz="5400" dirty="0">
-                <a:latin typeface="Open Sans" panose="020B0604020202020204" charset="0"/>
-                <a:ea typeface="Open Sans" panose="020B0604020202020204" charset="0"/>
-                <a:cs typeface="Open Sans" panose="020B0604020202020204" charset="0"/>
-              </a:rPr>
-            </a:br>
-            <a:r>
-              <a:rPr lang="en-US" sz="5400" dirty="0" err="1">
-                <a:latin typeface="Open Sans" panose="020B0604020202020204" charset="0"/>
-                <a:ea typeface="Open Sans" panose="020B0604020202020204" charset="0"/>
-                <a:cs typeface="Open Sans" panose="020B0604020202020204" charset="0"/>
-              </a:rPr>
-              <a:t>WeakMap</a:t>
-            </a:r>
-            <a:br>
-              <a:rPr lang="en-US" sz="5400" dirty="0">
-                <a:latin typeface="Open Sans" panose="020B0604020202020204" charset="0"/>
-                <a:ea typeface="Open Sans" panose="020B0604020202020204" charset="0"/>
-                <a:cs typeface="Open Sans" panose="020B0604020202020204" charset="0"/>
-              </a:rPr>
-            </a:br>
-            <a:r>
-              <a:rPr lang="en-US" sz="5400" dirty="0" err="1">
-                <a:latin typeface="Open Sans" panose="020B0604020202020204" charset="0"/>
-                <a:ea typeface="Open Sans" panose="020B0604020202020204" charset="0"/>
-                <a:cs typeface="Open Sans" panose="020B0604020202020204" charset="0"/>
-              </a:rPr>
-              <a:t>WeakSet</a:t>
-            </a:r>
-            <a:endParaRPr lang="uk-UA" sz="5400" dirty="0">
-              <a:latin typeface="Open Sans" panose="020B0604020202020204" charset="0"/>
-              <a:ea typeface="Open Sans" panose="020B0604020202020204" charset="0"/>
-              <a:cs typeface="Open Sans" panose="020B0604020202020204" charset="0"/>
-            </a:endParaRPr>
-          </a:p>
-        </p:txBody>
-      </p:sp>
-    </p:spTree>
-    <p:extLst>
-      <p:ext uri="{BB962C8B-B14F-4D97-AF65-F5344CB8AC3E}">
-        <p14:creationId xmlns:p14="http://schemas.microsoft.com/office/powerpoint/2010/main" val="2902874412"/>
-      </p:ext>
-    </p:extLst>
-  </p:cSld>
-  <p:clrMapOvr>
-    <a:masterClrMapping/>
-  </p:clrMapOvr>
-</p:sld>
-</file>
-
-<file path=ppt/slides/slide27.xml><?xml version="1.0" encoding="utf-8"?>
-<p:sld xmlns:a="http://schemas.openxmlformats.org/drawingml/2006/main" xmlns:r="http://schemas.openxmlformats.org/officeDocument/2006/relationships" xmlns:p="http://schemas.openxmlformats.org/presentationml/2006/main">
-  <p:cSld>
-    <p:spTree>
-      <p:nvGrpSpPr>
-        <p:cNvPr id="1" name=""/>
-        <p:cNvGrpSpPr/>
-        <p:nvPr/>
-      </p:nvGrpSpPr>
-      <p:grpSpPr>
-        <a:xfrm>
-          <a:off x="0" y="0"/>
-          <a:ext cx="0" cy="0"/>
-          <a:chOff x="0" y="0"/>
-          <a:chExt cx="0" cy="0"/>
-        </a:xfrm>
-      </p:grpSpPr>
-      <p:sp>
-        <p:nvSpPr>
-          <p:cNvPr id="2" name="Заголовок 1">
-            <a:extLst>
-              <a:ext uri="{FF2B5EF4-FFF2-40B4-BE49-F238E27FC236}">
-                <a16:creationId xmlns:a16="http://schemas.microsoft.com/office/drawing/2014/main" id="{F42C39E6-A4C3-40E0-93D6-11AEB330067F}"/>
-              </a:ext>
-            </a:extLst>
-          </p:cNvPr>
-          <p:cNvSpPr>
-            <a:spLocks noGrp="1"/>
-          </p:cNvSpPr>
-          <p:nvPr>
-            <p:ph type="title"/>
-          </p:nvPr>
-        </p:nvSpPr>
-        <p:spPr/>
-        <p:txBody>
-          <a:bodyPr/>
-          <a:lstStyle/>
-          <a:p>
-            <a:pPr>
-              <a:lnSpc>
-                <a:spcPct val="100000"/>
-              </a:lnSpc>
-            </a:pPr>
-            <a:r>
-              <a:rPr lang="en-US" sz="4000" dirty="0"/>
-              <a:t>Links</a:t>
-            </a:r>
-            <a:br>
-              <a:rPr lang="en-US" sz="4000" dirty="0"/>
-            </a:br>
-            <a:r>
-              <a:rPr lang="en-US" sz="2400" dirty="0">
-                <a:latin typeface="Open Sans" panose="020B0604020202020204" charset="0"/>
-                <a:ea typeface="Open Sans" panose="020B0604020202020204" charset="0"/>
-                <a:cs typeface="Open Sans" panose="020B0604020202020204" charset="0"/>
-              </a:rPr>
-              <a:t>1. </a:t>
-            </a:r>
-            <a:r>
-              <a:rPr lang="en-US" sz="2400" dirty="0">
-                <a:latin typeface="Open Sans" panose="020B0604020202020204" charset="0"/>
-                <a:ea typeface="Open Sans" panose="020B0604020202020204" charset="0"/>
-                <a:cs typeface="Open Sans" panose="020B0604020202020204" charset="0"/>
-                <a:hlinkClick r:id="rId2"/>
-              </a:rPr>
-              <a:t>https://developer.mozilla.org/en-US/docs/Web/JavaScript/Guide/Indexed_collections</a:t>
-            </a:r>
-            <a:br>
-              <a:rPr lang="en-US" sz="2400" dirty="0">
-                <a:latin typeface="Open Sans" panose="020B0604020202020204" charset="0"/>
-                <a:ea typeface="Open Sans" panose="020B0604020202020204" charset="0"/>
-                <a:cs typeface="Open Sans" panose="020B0604020202020204" charset="0"/>
-              </a:rPr>
-            </a:br>
-            <a:r>
-              <a:rPr lang="en-US" sz="2400" dirty="0">
-                <a:latin typeface="Open Sans" panose="020B0604020202020204" charset="0"/>
-                <a:ea typeface="Open Sans" panose="020B0604020202020204" charset="0"/>
-                <a:cs typeface="Open Sans" panose="020B0604020202020204" charset="0"/>
-              </a:rPr>
-              <a:t>2. </a:t>
-            </a:r>
-            <a:r>
-              <a:rPr lang="en-US" sz="2400" dirty="0">
-                <a:latin typeface="Open Sans" panose="020B0604020202020204" charset="0"/>
-                <a:ea typeface="Open Sans" panose="020B0604020202020204" charset="0"/>
-                <a:cs typeface="Open Sans" panose="020B0604020202020204" charset="0"/>
-                <a:hlinkClick r:id="rId3"/>
-              </a:rPr>
-              <a:t>https://developer.mozilla.org/en-US/docs/Web/JavaScript/Guide/Keyed_collections</a:t>
-            </a:r>
-            <a:br>
-              <a:rPr lang="en-US" sz="2400" dirty="0">
-                <a:latin typeface="Open Sans" panose="020B0604020202020204" charset="0"/>
-                <a:ea typeface="Open Sans" panose="020B0604020202020204" charset="0"/>
-                <a:cs typeface="Open Sans" panose="020B0604020202020204" charset="0"/>
-              </a:rPr>
-            </a:br>
-            <a:r>
-              <a:rPr lang="en-US" sz="2400" dirty="0">
-                <a:latin typeface="Open Sans" panose="020B0604020202020204" charset="0"/>
-                <a:ea typeface="Open Sans" panose="020B0604020202020204" charset="0"/>
-                <a:cs typeface="Open Sans" panose="020B0604020202020204" charset="0"/>
-              </a:rPr>
-              <a:t>3.</a:t>
-            </a:r>
-            <a:br>
-              <a:rPr lang="en-US" sz="2400" dirty="0">
-                <a:latin typeface="Open Sans" panose="020B0604020202020204" charset="0"/>
-                <a:ea typeface="Open Sans" panose="020B0604020202020204" charset="0"/>
-                <a:cs typeface="Open Sans" panose="020B0604020202020204" charset="0"/>
-              </a:rPr>
-            </a:br>
-            <a:r>
-              <a:rPr lang="en-US" sz="2400" dirty="0">
-                <a:latin typeface="Open Sans" panose="020B0604020202020204" charset="0"/>
-                <a:ea typeface="Open Sans" panose="020B0604020202020204" charset="0"/>
-                <a:cs typeface="Open Sans" panose="020B0604020202020204" charset="0"/>
-              </a:rPr>
-              <a:t>4.</a:t>
-            </a:r>
-            <a:br>
-              <a:rPr lang="en-US" sz="2400" dirty="0">
-                <a:latin typeface="Open Sans" panose="020B0604020202020204" charset="0"/>
-                <a:ea typeface="Open Sans" panose="020B0604020202020204" charset="0"/>
-                <a:cs typeface="Open Sans" panose="020B0604020202020204" charset="0"/>
-              </a:rPr>
-            </a:br>
-            <a:r>
-              <a:rPr lang="en-US" sz="2400" dirty="0">
-                <a:latin typeface="Open Sans" panose="020B0604020202020204" charset="0"/>
-                <a:ea typeface="Open Sans" panose="020B0604020202020204" charset="0"/>
-                <a:cs typeface="Open Sans" panose="020B0604020202020204" charset="0"/>
-              </a:rPr>
-              <a:t>5.</a:t>
-            </a:r>
-            <a:endParaRPr lang="uk-UA" sz="2400" dirty="0">
-              <a:latin typeface="Open Sans" panose="020B0604020202020204" charset="0"/>
-              <a:ea typeface="Open Sans" panose="020B0604020202020204" charset="0"/>
-              <a:cs typeface="Open Sans" panose="020B0604020202020204" charset="0"/>
-            </a:endParaRPr>
-          </a:p>
-        </p:txBody>
-      </p:sp>
-    </p:spTree>
-    <p:extLst>
-      <p:ext uri="{BB962C8B-B14F-4D97-AF65-F5344CB8AC3E}">
-        <p14:creationId xmlns:p14="http://schemas.microsoft.com/office/powerpoint/2010/main" val="1031338415"/>
-      </p:ext>
-    </p:extLst>
-  </p:cSld>
-  <p:clrMapOvr>
-    <a:masterClrMapping/>
-  </p:clrMapOvr>
-</p:sld>
-</file>
-
 <file path=ppt/slides/slide3.xml><?xml version="1.0" encoding="utf-8"?>
 <p:sld xmlns:a="http://schemas.openxmlformats.org/drawingml/2006/main" xmlns:r="http://schemas.openxmlformats.org/officeDocument/2006/relationships" xmlns:p="http://schemas.openxmlformats.org/presentationml/2006/main">
   <p:cSld>
@@ -10781,7 +12001,7 @@
                 <a:ea typeface="Open Sans" panose="020B0604020202020204" charset="0"/>
                 <a:cs typeface="Open Sans" panose="020B0604020202020204" charset="0"/>
               </a:rPr>
-              <a:t>For example, consider an array called emp, which contains employees' names indexed by their numerical employee number. So emp[1] would be employee number one, emp[2] employee number two, and so on.</a:t>
+              <a:t>JavaScript does not have an explicit array data type. </a:t>
             </a:r>
             <a:endParaRPr lang="uk-UA" sz="2400" dirty="0">
               <a:latin typeface="Open Sans" panose="020B0604020202020204" charset="0"/>
@@ -10795,6 +12015,1176 @@
     <p:extLst>
       <p:ext uri="{BB962C8B-B14F-4D97-AF65-F5344CB8AC3E}">
         <p14:creationId xmlns:p14="http://schemas.microsoft.com/office/powerpoint/2010/main" val="2154041350"/>
+      </p:ext>
+    </p:extLst>
+  </p:cSld>
+  <p:clrMapOvr>
+    <a:masterClrMapping/>
+  </p:clrMapOvr>
+</p:sld>
+</file>
+
+<file path=ppt/slides/slide30.xml><?xml version="1.0" encoding="utf-8"?>
+<p:sld xmlns:a="http://schemas.openxmlformats.org/drawingml/2006/main" xmlns:r="http://schemas.openxmlformats.org/officeDocument/2006/relationships" xmlns:p="http://schemas.openxmlformats.org/presentationml/2006/main">
+  <p:cSld>
+    <p:spTree>
+      <p:nvGrpSpPr>
+        <p:cNvPr id="1" name=""/>
+        <p:cNvGrpSpPr/>
+        <p:nvPr/>
+      </p:nvGrpSpPr>
+      <p:grpSpPr>
+        <a:xfrm>
+          <a:off x="0" y="0"/>
+          <a:ext cx="0" cy="0"/>
+          <a:chOff x="0" y="0"/>
+          <a:chExt cx="0" cy="0"/>
+        </a:xfrm>
+      </p:grpSpPr>
+      <p:sp>
+        <p:nvSpPr>
+          <p:cNvPr id="2" name="Заголовок 1">
+            <a:extLst>
+              <a:ext uri="{FF2B5EF4-FFF2-40B4-BE49-F238E27FC236}">
+                <a16:creationId xmlns:a16="http://schemas.microsoft.com/office/drawing/2014/main" id="{4D211CB4-80F8-481B-A7B2-B0040E865CCA}"/>
+              </a:ext>
+            </a:extLst>
+          </p:cNvPr>
+          <p:cNvSpPr>
+            <a:spLocks noGrp="1"/>
+          </p:cNvSpPr>
+          <p:nvPr>
+            <p:ph type="title"/>
+          </p:nvPr>
+        </p:nvSpPr>
+        <p:spPr/>
+        <p:txBody>
+          <a:bodyPr/>
+          <a:lstStyle/>
+          <a:p>
+            <a:pPr>
+              <a:lnSpc>
+                <a:spcPct val="100000"/>
+              </a:lnSpc>
+            </a:pPr>
+            <a:r>
+              <a:rPr lang="en-US" sz="5400" dirty="0"/>
+              <a:t>Keyed collections </a:t>
+            </a:r>
+            <a:br>
+              <a:rPr lang="en-US" sz="5400" dirty="0"/>
+            </a:br>
+            <a:br>
+              <a:rPr lang="uk-UA" sz="5400" dirty="0"/>
+            </a:br>
+            <a:r>
+              <a:rPr lang="en-US" sz="5400" dirty="0">
+                <a:latin typeface="Open Sans" panose="020B0604020202020204" charset="0"/>
+                <a:ea typeface="Open Sans" panose="020B0604020202020204" charset="0"/>
+                <a:cs typeface="Open Sans" panose="020B0604020202020204" charset="0"/>
+              </a:rPr>
+              <a:t>Map</a:t>
+            </a:r>
+            <a:br>
+              <a:rPr lang="en-US" sz="5400" dirty="0">
+                <a:latin typeface="Open Sans" panose="020B0604020202020204" charset="0"/>
+                <a:ea typeface="Open Sans" panose="020B0604020202020204" charset="0"/>
+                <a:cs typeface="Open Sans" panose="020B0604020202020204" charset="0"/>
+              </a:rPr>
+            </a:br>
+            <a:r>
+              <a:rPr lang="en-US" sz="5400" dirty="0">
+                <a:latin typeface="Open Sans" panose="020B0604020202020204" charset="0"/>
+                <a:ea typeface="Open Sans" panose="020B0604020202020204" charset="0"/>
+                <a:cs typeface="Open Sans" panose="020B0604020202020204" charset="0"/>
+              </a:rPr>
+              <a:t>Set</a:t>
+            </a:r>
+            <a:br>
+              <a:rPr lang="en-US" sz="5400" dirty="0">
+                <a:latin typeface="Open Sans" panose="020B0604020202020204" charset="0"/>
+                <a:ea typeface="Open Sans" panose="020B0604020202020204" charset="0"/>
+                <a:cs typeface="Open Sans" panose="020B0604020202020204" charset="0"/>
+              </a:rPr>
+            </a:br>
+            <a:r>
+              <a:rPr lang="en-US" sz="5400" dirty="0" err="1">
+                <a:latin typeface="Open Sans" panose="020B0604020202020204" charset="0"/>
+                <a:ea typeface="Open Sans" panose="020B0604020202020204" charset="0"/>
+                <a:cs typeface="Open Sans" panose="020B0604020202020204" charset="0"/>
+              </a:rPr>
+              <a:t>WeakMap</a:t>
+            </a:r>
+            <a:br>
+              <a:rPr lang="en-US" sz="5400" dirty="0">
+                <a:latin typeface="Open Sans" panose="020B0604020202020204" charset="0"/>
+                <a:ea typeface="Open Sans" panose="020B0604020202020204" charset="0"/>
+                <a:cs typeface="Open Sans" panose="020B0604020202020204" charset="0"/>
+              </a:rPr>
+            </a:br>
+            <a:r>
+              <a:rPr lang="en-US" sz="5400" dirty="0" err="1">
+                <a:latin typeface="Open Sans" panose="020B0604020202020204" charset="0"/>
+                <a:ea typeface="Open Sans" panose="020B0604020202020204" charset="0"/>
+                <a:cs typeface="Open Sans" panose="020B0604020202020204" charset="0"/>
+              </a:rPr>
+              <a:t>WeakSet</a:t>
+            </a:r>
+            <a:endParaRPr lang="uk-UA" sz="5400" dirty="0">
+              <a:latin typeface="Open Sans" panose="020B0604020202020204" charset="0"/>
+              <a:ea typeface="Open Sans" panose="020B0604020202020204" charset="0"/>
+              <a:cs typeface="Open Sans" panose="020B0604020202020204" charset="0"/>
+            </a:endParaRPr>
+          </a:p>
+        </p:txBody>
+      </p:sp>
+    </p:spTree>
+    <p:extLst>
+      <p:ext uri="{BB962C8B-B14F-4D97-AF65-F5344CB8AC3E}">
+        <p14:creationId xmlns:p14="http://schemas.microsoft.com/office/powerpoint/2010/main" val="2902874412"/>
+      </p:ext>
+    </p:extLst>
+  </p:cSld>
+  <p:clrMapOvr>
+    <a:masterClrMapping/>
+  </p:clrMapOvr>
+</p:sld>
+</file>
+
+<file path=ppt/slides/slide31.xml><?xml version="1.0" encoding="utf-8"?>
+<p:sld xmlns:a="http://schemas.openxmlformats.org/drawingml/2006/main" xmlns:r="http://schemas.openxmlformats.org/officeDocument/2006/relationships" xmlns:p="http://schemas.openxmlformats.org/presentationml/2006/main">
+  <p:cSld>
+    <p:spTree>
+      <p:nvGrpSpPr>
+        <p:cNvPr id="1" name=""/>
+        <p:cNvGrpSpPr/>
+        <p:nvPr/>
+      </p:nvGrpSpPr>
+      <p:grpSpPr>
+        <a:xfrm>
+          <a:off x="0" y="0"/>
+          <a:ext cx="0" cy="0"/>
+          <a:chOff x="0" y="0"/>
+          <a:chExt cx="0" cy="0"/>
+        </a:xfrm>
+      </p:grpSpPr>
+      <p:sp>
+        <p:nvSpPr>
+          <p:cNvPr id="2" name="Заголовок 1">
+            <a:extLst>
+              <a:ext uri="{FF2B5EF4-FFF2-40B4-BE49-F238E27FC236}">
+                <a16:creationId xmlns:a16="http://schemas.microsoft.com/office/drawing/2014/main" id="{0D8F4E5C-2A7F-4CE2-BDA3-CE68D90F714C}"/>
+              </a:ext>
+            </a:extLst>
+          </p:cNvPr>
+          <p:cNvSpPr>
+            <a:spLocks noGrp="1"/>
+          </p:cNvSpPr>
+          <p:nvPr>
+            <p:ph type="title"/>
+          </p:nvPr>
+        </p:nvSpPr>
+        <p:spPr/>
+        <p:txBody>
+          <a:bodyPr/>
+          <a:lstStyle/>
+          <a:p>
+            <a:pPr>
+              <a:lnSpc>
+                <a:spcPct val="100000"/>
+              </a:lnSpc>
+            </a:pPr>
+            <a:r>
+              <a:rPr lang="en-US" sz="3600" dirty="0"/>
+              <a:t>Map</a:t>
+            </a:r>
+            <a:br>
+              <a:rPr lang="uk-UA" sz="3600" dirty="0"/>
+            </a:br>
+            <a:r>
+              <a:rPr lang="en-US" sz="2400" dirty="0">
+                <a:latin typeface="Open Sans" panose="020B0604020202020204" charset="0"/>
+                <a:ea typeface="Open Sans" panose="020B0604020202020204" charset="0"/>
+                <a:cs typeface="Open Sans" panose="020B0604020202020204" charset="0"/>
+              </a:rPr>
+              <a:t>The Map object holds key-value pairs and remembers the original insertion order of the keys. Any value (both objects and primitive values) may be used as either a key or a value.</a:t>
+            </a:r>
+            <a:endParaRPr lang="uk-UA" sz="2400" dirty="0">
+              <a:latin typeface="Open Sans" panose="020B0604020202020204" charset="0"/>
+              <a:ea typeface="Open Sans" panose="020B0604020202020204" charset="0"/>
+              <a:cs typeface="Open Sans" panose="020B0604020202020204" charset="0"/>
+            </a:endParaRPr>
+          </a:p>
+        </p:txBody>
+      </p:sp>
+    </p:spTree>
+    <p:extLst>
+      <p:ext uri="{BB962C8B-B14F-4D97-AF65-F5344CB8AC3E}">
+        <p14:creationId xmlns:p14="http://schemas.microsoft.com/office/powerpoint/2010/main" val="3774251603"/>
+      </p:ext>
+    </p:extLst>
+  </p:cSld>
+  <p:clrMapOvr>
+    <a:masterClrMapping/>
+  </p:clrMapOvr>
+</p:sld>
+</file>
+
+<file path=ppt/slides/slide32.xml><?xml version="1.0" encoding="utf-8"?>
+<p:sld xmlns:a="http://schemas.openxmlformats.org/drawingml/2006/main" xmlns:r="http://schemas.openxmlformats.org/officeDocument/2006/relationships" xmlns:p="http://schemas.openxmlformats.org/presentationml/2006/main">
+  <p:cSld>
+    <p:spTree>
+      <p:nvGrpSpPr>
+        <p:cNvPr id="1" name=""/>
+        <p:cNvGrpSpPr/>
+        <p:nvPr/>
+      </p:nvGrpSpPr>
+      <p:grpSpPr>
+        <a:xfrm>
+          <a:off x="0" y="0"/>
+          <a:ext cx="0" cy="0"/>
+          <a:chOff x="0" y="0"/>
+          <a:chExt cx="0" cy="0"/>
+        </a:xfrm>
+      </p:grpSpPr>
+      <p:sp>
+        <p:nvSpPr>
+          <p:cNvPr id="2" name="Заголовок 1">
+            <a:extLst>
+              <a:ext uri="{FF2B5EF4-FFF2-40B4-BE49-F238E27FC236}">
+                <a16:creationId xmlns:a16="http://schemas.microsoft.com/office/drawing/2014/main" id="{84A5BEE0-0617-4334-B2F7-987965F14B84}"/>
+              </a:ext>
+            </a:extLst>
+          </p:cNvPr>
+          <p:cNvSpPr>
+            <a:spLocks noGrp="1"/>
+          </p:cNvSpPr>
+          <p:nvPr>
+            <p:ph type="title"/>
+          </p:nvPr>
+        </p:nvSpPr>
+        <p:spPr/>
+        <p:txBody>
+          <a:bodyPr/>
+          <a:lstStyle/>
+          <a:p>
+            <a:pPr>
+              <a:lnSpc>
+                <a:spcPct val="100000"/>
+              </a:lnSpc>
+            </a:pPr>
+            <a:r>
+              <a:rPr lang="en-US" sz="3400" dirty="0"/>
+              <a:t>Methods and properties</a:t>
+            </a:r>
+            <a:br>
+              <a:rPr lang="en-US" sz="3400" dirty="0"/>
+            </a:br>
+            <a:br>
+              <a:rPr lang="en-US" sz="3400" dirty="0"/>
+            </a:br>
+            <a:endParaRPr lang="uk-UA" sz="3400" dirty="0"/>
+          </a:p>
+        </p:txBody>
+      </p:sp>
+      <p:pic>
+        <p:nvPicPr>
+          <p:cNvPr id="5" name="Рисунок 4">
+            <a:extLst>
+              <a:ext uri="{FF2B5EF4-FFF2-40B4-BE49-F238E27FC236}">
+                <a16:creationId xmlns:a16="http://schemas.microsoft.com/office/drawing/2014/main" id="{C797E4C2-1C07-4E02-B8B7-11272ED77F69}"/>
+              </a:ext>
+            </a:extLst>
+          </p:cNvPr>
+          <p:cNvPicPr>
+            <a:picLocks noChangeAspect="1"/>
+          </p:cNvPicPr>
+          <p:nvPr/>
+        </p:nvPicPr>
+        <p:blipFill>
+          <a:blip r:embed="rId2">
+            <a:extLst>
+              <a:ext uri="{28A0092B-C50C-407E-A947-70E740481C1C}">
+                <a14:useLocalDpi xmlns:a14="http://schemas.microsoft.com/office/drawing/2010/main" val="0"/>
+              </a:ext>
+            </a:extLst>
+          </a:blip>
+          <a:stretch>
+            <a:fillRect/>
+          </a:stretch>
+        </p:blipFill>
+        <p:spPr>
+          <a:xfrm>
+            <a:off x="671459" y="1723836"/>
+            <a:ext cx="10834740" cy="2724526"/>
+          </a:xfrm>
+          <a:prstGeom prst="rect">
+            <a:avLst/>
+          </a:prstGeom>
+        </p:spPr>
+      </p:pic>
+    </p:spTree>
+    <p:extLst>
+      <p:ext uri="{BB962C8B-B14F-4D97-AF65-F5344CB8AC3E}">
+        <p14:creationId xmlns:p14="http://schemas.microsoft.com/office/powerpoint/2010/main" val="2496550319"/>
+      </p:ext>
+    </p:extLst>
+  </p:cSld>
+  <p:clrMapOvr>
+    <a:masterClrMapping/>
+  </p:clrMapOvr>
+</p:sld>
+</file>
+
+<file path=ppt/slides/slide33.xml><?xml version="1.0" encoding="utf-8"?>
+<p:sld xmlns:a="http://schemas.openxmlformats.org/drawingml/2006/main" xmlns:r="http://schemas.openxmlformats.org/officeDocument/2006/relationships" xmlns:p="http://schemas.openxmlformats.org/presentationml/2006/main">
+  <p:cSld>
+    <p:spTree>
+      <p:nvGrpSpPr>
+        <p:cNvPr id="1" name=""/>
+        <p:cNvGrpSpPr/>
+        <p:nvPr/>
+      </p:nvGrpSpPr>
+      <p:grpSpPr>
+        <a:xfrm>
+          <a:off x="0" y="0"/>
+          <a:ext cx="0" cy="0"/>
+          <a:chOff x="0" y="0"/>
+          <a:chExt cx="0" cy="0"/>
+        </a:xfrm>
+      </p:grpSpPr>
+      <p:sp>
+        <p:nvSpPr>
+          <p:cNvPr id="2" name="Заголовок 1">
+            <a:extLst>
+              <a:ext uri="{FF2B5EF4-FFF2-40B4-BE49-F238E27FC236}">
+                <a16:creationId xmlns:a16="http://schemas.microsoft.com/office/drawing/2014/main" id="{957A3724-D038-4526-A964-721E9977C847}"/>
+              </a:ext>
+            </a:extLst>
+          </p:cNvPr>
+          <p:cNvSpPr>
+            <a:spLocks noGrp="1"/>
+          </p:cNvSpPr>
+          <p:nvPr>
+            <p:ph type="title"/>
+          </p:nvPr>
+        </p:nvSpPr>
+        <p:spPr/>
+        <p:txBody>
+          <a:bodyPr/>
+          <a:lstStyle/>
+          <a:p>
+            <a:pPr>
+              <a:lnSpc>
+                <a:spcPct val="100000"/>
+              </a:lnSpc>
+            </a:pPr>
+            <a:r>
+              <a:rPr lang="en-US" sz="4000" dirty="0"/>
+              <a:t>Example</a:t>
+            </a:r>
+            <a:endParaRPr lang="uk-UA" sz="4000" dirty="0"/>
+          </a:p>
+        </p:txBody>
+      </p:sp>
+      <p:pic>
+        <p:nvPicPr>
+          <p:cNvPr id="5" name="Рисунок 4">
+            <a:extLst>
+              <a:ext uri="{FF2B5EF4-FFF2-40B4-BE49-F238E27FC236}">
+                <a16:creationId xmlns:a16="http://schemas.microsoft.com/office/drawing/2014/main" id="{387FE797-B0B8-4405-85E7-A8104990CC0D}"/>
+              </a:ext>
+            </a:extLst>
+          </p:cNvPr>
+          <p:cNvPicPr>
+            <a:picLocks noChangeAspect="1"/>
+          </p:cNvPicPr>
+          <p:nvPr/>
+        </p:nvPicPr>
+        <p:blipFill>
+          <a:blip r:embed="rId3">
+            <a:extLst>
+              <a:ext uri="{28A0092B-C50C-407E-A947-70E740481C1C}">
+                <a14:useLocalDpi xmlns:a14="http://schemas.microsoft.com/office/drawing/2010/main" val="0"/>
+              </a:ext>
+            </a:extLst>
+          </a:blip>
+          <a:stretch>
+            <a:fillRect/>
+          </a:stretch>
+        </p:blipFill>
+        <p:spPr>
+          <a:xfrm>
+            <a:off x="1413164" y="1371600"/>
+            <a:ext cx="7463643" cy="5020031"/>
+          </a:xfrm>
+          <a:prstGeom prst="rect">
+            <a:avLst/>
+          </a:prstGeom>
+        </p:spPr>
+      </p:pic>
+    </p:spTree>
+    <p:extLst>
+      <p:ext uri="{BB962C8B-B14F-4D97-AF65-F5344CB8AC3E}">
+        <p14:creationId xmlns:p14="http://schemas.microsoft.com/office/powerpoint/2010/main" val="964043010"/>
+      </p:ext>
+    </p:extLst>
+  </p:cSld>
+  <p:clrMapOvr>
+    <a:masterClrMapping/>
+  </p:clrMapOvr>
+</p:sld>
+</file>
+
+<file path=ppt/slides/slide34.xml><?xml version="1.0" encoding="utf-8"?>
+<p:sld xmlns:a="http://schemas.openxmlformats.org/drawingml/2006/main" xmlns:r="http://schemas.openxmlformats.org/officeDocument/2006/relationships" xmlns:p="http://schemas.openxmlformats.org/presentationml/2006/main">
+  <p:cSld>
+    <p:spTree>
+      <p:nvGrpSpPr>
+        <p:cNvPr id="1" name=""/>
+        <p:cNvGrpSpPr/>
+        <p:nvPr/>
+      </p:nvGrpSpPr>
+      <p:grpSpPr>
+        <a:xfrm>
+          <a:off x="0" y="0"/>
+          <a:ext cx="0" cy="0"/>
+          <a:chOff x="0" y="0"/>
+          <a:chExt cx="0" cy="0"/>
+        </a:xfrm>
+      </p:grpSpPr>
+      <p:sp>
+        <p:nvSpPr>
+          <p:cNvPr id="2" name="Заголовок 1">
+            <a:extLst>
+              <a:ext uri="{FF2B5EF4-FFF2-40B4-BE49-F238E27FC236}">
+                <a16:creationId xmlns:a16="http://schemas.microsoft.com/office/drawing/2014/main" id="{14B05396-D6C0-44CF-A98D-D491A303CA3F}"/>
+              </a:ext>
+            </a:extLst>
+          </p:cNvPr>
+          <p:cNvSpPr>
+            <a:spLocks noGrp="1"/>
+          </p:cNvSpPr>
+          <p:nvPr>
+            <p:ph type="title"/>
+          </p:nvPr>
+        </p:nvSpPr>
+        <p:spPr/>
+        <p:txBody>
+          <a:bodyPr/>
+          <a:lstStyle/>
+          <a:p>
+            <a:pPr>
+              <a:lnSpc>
+                <a:spcPct val="100000"/>
+              </a:lnSpc>
+            </a:pPr>
+            <a:r>
+              <a:rPr lang="en-US" sz="4000" dirty="0"/>
+              <a:t>Iteration over Map</a:t>
+            </a:r>
+            <a:br>
+              <a:rPr lang="en-US" sz="4000" dirty="0"/>
+            </a:br>
+            <a:r>
+              <a:rPr lang="en-US" sz="2400" dirty="0">
+                <a:latin typeface="Open Sans" panose="020B0604020202020204" charset="0"/>
+                <a:ea typeface="Open Sans" panose="020B0604020202020204" charset="0"/>
+                <a:cs typeface="Open Sans" panose="020B0604020202020204" charset="0"/>
+              </a:rPr>
+              <a:t>For looping over a map, there are 3 methods:</a:t>
+            </a:r>
+            <a:br>
+              <a:rPr lang="en-US" sz="2400" dirty="0">
+                <a:latin typeface="Open Sans" panose="020B0604020202020204" charset="0"/>
+                <a:ea typeface="Open Sans" panose="020B0604020202020204" charset="0"/>
+                <a:cs typeface="Open Sans" panose="020B0604020202020204" charset="0"/>
+              </a:rPr>
+            </a:br>
+            <a:br>
+              <a:rPr lang="en-US" sz="2400" dirty="0">
+                <a:latin typeface="Open Sans" panose="020B0604020202020204" charset="0"/>
+                <a:ea typeface="Open Sans" panose="020B0604020202020204" charset="0"/>
+                <a:cs typeface="Open Sans" panose="020B0604020202020204" charset="0"/>
+              </a:rPr>
+            </a:br>
+            <a:r>
+              <a:rPr lang="en-US" sz="2400" dirty="0">
+                <a:latin typeface="Open Sans" panose="020B0604020202020204" charset="0"/>
+                <a:ea typeface="Open Sans" panose="020B0604020202020204" charset="0"/>
+                <a:cs typeface="Open Sans" panose="020B0604020202020204" charset="0"/>
+              </a:rPr>
+              <a:t>keys() – returns an </a:t>
+            </a:r>
+            <a:r>
+              <a:rPr lang="en-US" sz="2400" dirty="0" err="1">
+                <a:latin typeface="Open Sans" panose="020B0604020202020204" charset="0"/>
+                <a:ea typeface="Open Sans" panose="020B0604020202020204" charset="0"/>
+                <a:cs typeface="Open Sans" panose="020B0604020202020204" charset="0"/>
+              </a:rPr>
+              <a:t>iterable</a:t>
+            </a:r>
+            <a:r>
+              <a:rPr lang="en-US" sz="2400" dirty="0">
+                <a:latin typeface="Open Sans" panose="020B0604020202020204" charset="0"/>
+                <a:ea typeface="Open Sans" panose="020B0604020202020204" charset="0"/>
+                <a:cs typeface="Open Sans" panose="020B0604020202020204" charset="0"/>
+              </a:rPr>
+              <a:t> for keys,</a:t>
+            </a:r>
+            <a:br>
+              <a:rPr lang="en-US" sz="2400" dirty="0">
+                <a:latin typeface="Open Sans" panose="020B0604020202020204" charset="0"/>
+                <a:ea typeface="Open Sans" panose="020B0604020202020204" charset="0"/>
+                <a:cs typeface="Open Sans" panose="020B0604020202020204" charset="0"/>
+              </a:rPr>
+            </a:br>
+            <a:r>
+              <a:rPr lang="en-US" sz="2400" dirty="0">
+                <a:latin typeface="Open Sans" panose="020B0604020202020204" charset="0"/>
+                <a:ea typeface="Open Sans" panose="020B0604020202020204" charset="0"/>
+                <a:cs typeface="Open Sans" panose="020B0604020202020204" charset="0"/>
+              </a:rPr>
+              <a:t>values() – returns an </a:t>
+            </a:r>
+            <a:r>
+              <a:rPr lang="en-US" sz="2400" dirty="0" err="1">
+                <a:latin typeface="Open Sans" panose="020B0604020202020204" charset="0"/>
+                <a:ea typeface="Open Sans" panose="020B0604020202020204" charset="0"/>
+                <a:cs typeface="Open Sans" panose="020B0604020202020204" charset="0"/>
+              </a:rPr>
+              <a:t>iterable</a:t>
+            </a:r>
+            <a:r>
+              <a:rPr lang="en-US" sz="2400" dirty="0">
+                <a:latin typeface="Open Sans" panose="020B0604020202020204" charset="0"/>
+                <a:ea typeface="Open Sans" panose="020B0604020202020204" charset="0"/>
+                <a:cs typeface="Open Sans" panose="020B0604020202020204" charset="0"/>
+              </a:rPr>
+              <a:t> for values,</a:t>
+            </a:r>
+            <a:br>
+              <a:rPr lang="en-US" sz="2400" dirty="0">
+                <a:latin typeface="Open Sans" panose="020B0604020202020204" charset="0"/>
+                <a:ea typeface="Open Sans" panose="020B0604020202020204" charset="0"/>
+                <a:cs typeface="Open Sans" panose="020B0604020202020204" charset="0"/>
+              </a:rPr>
+            </a:br>
+            <a:r>
+              <a:rPr lang="en-US" sz="2400" dirty="0">
+                <a:latin typeface="Open Sans" panose="020B0604020202020204" charset="0"/>
+                <a:ea typeface="Open Sans" panose="020B0604020202020204" charset="0"/>
+                <a:cs typeface="Open Sans" panose="020B0604020202020204" charset="0"/>
+              </a:rPr>
+              <a:t>entries() – returns an </a:t>
+            </a:r>
+            <a:r>
+              <a:rPr lang="en-US" sz="2400" dirty="0" err="1">
+                <a:latin typeface="Open Sans" panose="020B0604020202020204" charset="0"/>
+                <a:ea typeface="Open Sans" panose="020B0604020202020204" charset="0"/>
+                <a:cs typeface="Open Sans" panose="020B0604020202020204" charset="0"/>
+              </a:rPr>
+              <a:t>iterable</a:t>
+            </a:r>
+            <a:r>
+              <a:rPr lang="en-US" sz="2400" dirty="0">
+                <a:latin typeface="Open Sans" panose="020B0604020202020204" charset="0"/>
+                <a:ea typeface="Open Sans" panose="020B0604020202020204" charset="0"/>
+                <a:cs typeface="Open Sans" panose="020B0604020202020204" charset="0"/>
+              </a:rPr>
+              <a:t> for entries [key, value], it’s used by default in </a:t>
+            </a:r>
+            <a:r>
+              <a:rPr lang="en-US" sz="2400" dirty="0" err="1">
+                <a:latin typeface="Open Sans" panose="020B0604020202020204" charset="0"/>
+                <a:ea typeface="Open Sans" panose="020B0604020202020204" charset="0"/>
+                <a:cs typeface="Open Sans" panose="020B0604020202020204" charset="0"/>
+              </a:rPr>
+              <a:t>for..of</a:t>
+            </a:r>
+            <a:r>
+              <a:rPr lang="en-US" sz="2400" dirty="0">
+                <a:latin typeface="Open Sans" panose="020B0604020202020204" charset="0"/>
+                <a:ea typeface="Open Sans" panose="020B0604020202020204" charset="0"/>
+                <a:cs typeface="Open Sans" panose="020B0604020202020204" charset="0"/>
+              </a:rPr>
+              <a:t>.</a:t>
+            </a:r>
+            <a:endParaRPr lang="uk-UA" sz="2400" dirty="0">
+              <a:latin typeface="Open Sans" panose="020B0604020202020204" charset="0"/>
+              <a:ea typeface="Open Sans" panose="020B0604020202020204" charset="0"/>
+              <a:cs typeface="Open Sans" panose="020B0604020202020204" charset="0"/>
+            </a:endParaRPr>
+          </a:p>
+        </p:txBody>
+      </p:sp>
+    </p:spTree>
+    <p:extLst>
+      <p:ext uri="{BB962C8B-B14F-4D97-AF65-F5344CB8AC3E}">
+        <p14:creationId xmlns:p14="http://schemas.microsoft.com/office/powerpoint/2010/main" val="297167335"/>
+      </p:ext>
+    </p:extLst>
+  </p:cSld>
+  <p:clrMapOvr>
+    <a:masterClrMapping/>
+  </p:clrMapOvr>
+</p:sld>
+</file>
+
+<file path=ppt/slides/slide35.xml><?xml version="1.0" encoding="utf-8"?>
+<p:sld xmlns:a="http://schemas.openxmlformats.org/drawingml/2006/main" xmlns:r="http://schemas.openxmlformats.org/officeDocument/2006/relationships" xmlns:p="http://schemas.openxmlformats.org/presentationml/2006/main">
+  <p:cSld>
+    <p:spTree>
+      <p:nvGrpSpPr>
+        <p:cNvPr id="1" name=""/>
+        <p:cNvGrpSpPr/>
+        <p:nvPr/>
+      </p:nvGrpSpPr>
+      <p:grpSpPr>
+        <a:xfrm>
+          <a:off x="0" y="0"/>
+          <a:ext cx="0" cy="0"/>
+          <a:chOff x="0" y="0"/>
+          <a:chExt cx="0" cy="0"/>
+        </a:xfrm>
+      </p:grpSpPr>
+      <p:sp>
+        <p:nvSpPr>
+          <p:cNvPr id="2" name="Заголовок 1">
+            <a:extLst>
+              <a:ext uri="{FF2B5EF4-FFF2-40B4-BE49-F238E27FC236}">
+                <a16:creationId xmlns:a16="http://schemas.microsoft.com/office/drawing/2014/main" id="{A67ED007-DEEA-4CAF-B8F6-71ED5B2B7D43}"/>
+              </a:ext>
+            </a:extLst>
+          </p:cNvPr>
+          <p:cNvSpPr>
+            <a:spLocks noGrp="1"/>
+          </p:cNvSpPr>
+          <p:nvPr>
+            <p:ph type="title"/>
+          </p:nvPr>
+        </p:nvSpPr>
+        <p:spPr/>
+        <p:txBody>
+          <a:bodyPr/>
+          <a:lstStyle/>
+          <a:p>
+            <a:pPr>
+              <a:lnSpc>
+                <a:spcPct val="100000"/>
+              </a:lnSpc>
+            </a:pPr>
+            <a:r>
+              <a:rPr lang="en-US" sz="3000" dirty="0"/>
+              <a:t>Example</a:t>
+            </a:r>
+            <a:endParaRPr lang="uk-UA" sz="3000" dirty="0"/>
+          </a:p>
+        </p:txBody>
+      </p:sp>
+      <p:pic>
+        <p:nvPicPr>
+          <p:cNvPr id="5" name="Рисунок 4">
+            <a:extLst>
+              <a:ext uri="{FF2B5EF4-FFF2-40B4-BE49-F238E27FC236}">
+                <a16:creationId xmlns:a16="http://schemas.microsoft.com/office/drawing/2014/main" id="{543B68E7-AF97-4087-987B-07A5FA1A15D6}"/>
+              </a:ext>
+            </a:extLst>
+          </p:cNvPr>
+          <p:cNvPicPr>
+            <a:picLocks noChangeAspect="1"/>
+          </p:cNvPicPr>
+          <p:nvPr/>
+        </p:nvPicPr>
+        <p:blipFill>
+          <a:blip r:embed="rId3">
+            <a:extLst>
+              <a:ext uri="{28A0092B-C50C-407E-A947-70E740481C1C}">
+                <a14:useLocalDpi xmlns:a14="http://schemas.microsoft.com/office/drawing/2010/main" val="0"/>
+              </a:ext>
+            </a:extLst>
+          </a:blip>
+          <a:stretch>
+            <a:fillRect/>
+          </a:stretch>
+        </p:blipFill>
+        <p:spPr>
+          <a:xfrm>
+            <a:off x="3085946" y="782228"/>
+            <a:ext cx="6020108" cy="5293543"/>
+          </a:xfrm>
+          <a:prstGeom prst="rect">
+            <a:avLst/>
+          </a:prstGeom>
+        </p:spPr>
+      </p:pic>
+    </p:spTree>
+    <p:extLst>
+      <p:ext uri="{BB962C8B-B14F-4D97-AF65-F5344CB8AC3E}">
+        <p14:creationId xmlns:p14="http://schemas.microsoft.com/office/powerpoint/2010/main" val="1663850535"/>
+      </p:ext>
+    </p:extLst>
+  </p:cSld>
+  <p:clrMapOvr>
+    <a:masterClrMapping/>
+  </p:clrMapOvr>
+</p:sld>
+</file>
+
+<file path=ppt/slides/slide36.xml><?xml version="1.0" encoding="utf-8"?>
+<p:sld xmlns:a="http://schemas.openxmlformats.org/drawingml/2006/main" xmlns:r="http://schemas.openxmlformats.org/officeDocument/2006/relationships" xmlns:p="http://schemas.openxmlformats.org/presentationml/2006/main">
+  <p:cSld>
+    <p:spTree>
+      <p:nvGrpSpPr>
+        <p:cNvPr id="1" name=""/>
+        <p:cNvGrpSpPr/>
+        <p:nvPr/>
+      </p:nvGrpSpPr>
+      <p:grpSpPr>
+        <a:xfrm>
+          <a:off x="0" y="0"/>
+          <a:ext cx="0" cy="0"/>
+          <a:chOff x="0" y="0"/>
+          <a:chExt cx="0" cy="0"/>
+        </a:xfrm>
+      </p:grpSpPr>
+      <p:sp>
+        <p:nvSpPr>
+          <p:cNvPr id="2" name="Заголовок 1">
+            <a:extLst>
+              <a:ext uri="{FF2B5EF4-FFF2-40B4-BE49-F238E27FC236}">
+                <a16:creationId xmlns:a16="http://schemas.microsoft.com/office/drawing/2014/main" id="{21FFADB6-BEBB-473A-A0D0-2CF45DB85789}"/>
+              </a:ext>
+            </a:extLst>
+          </p:cNvPr>
+          <p:cNvSpPr>
+            <a:spLocks noGrp="1"/>
+          </p:cNvSpPr>
+          <p:nvPr>
+            <p:ph type="title"/>
+          </p:nvPr>
+        </p:nvSpPr>
+        <p:spPr/>
+        <p:txBody>
+          <a:bodyPr/>
+          <a:lstStyle/>
+          <a:p>
+            <a:pPr>
+              <a:lnSpc>
+                <a:spcPct val="100000"/>
+              </a:lnSpc>
+            </a:pPr>
+            <a:r>
+              <a:rPr lang="en-US" sz="3600" dirty="0"/>
+              <a:t>Set</a:t>
+            </a:r>
+            <a:br>
+              <a:rPr lang="en-US" sz="3600" dirty="0"/>
+            </a:br>
+            <a:r>
+              <a:rPr lang="en-US" sz="2400" dirty="0">
+                <a:latin typeface="Open Sans" panose="020B0604020202020204" charset="0"/>
+                <a:ea typeface="Open Sans" panose="020B0604020202020204" charset="0"/>
+                <a:cs typeface="Open Sans" panose="020B0604020202020204" charset="0"/>
+              </a:rPr>
+              <a:t>The Set object lets you store unique values of any type, whether primitive values or object references.</a:t>
+            </a:r>
+            <a:br>
+              <a:rPr lang="en-US" sz="3600" dirty="0"/>
+            </a:br>
+            <a:endParaRPr lang="uk-UA" sz="3600" dirty="0"/>
+          </a:p>
+        </p:txBody>
+      </p:sp>
+    </p:spTree>
+    <p:extLst>
+      <p:ext uri="{BB962C8B-B14F-4D97-AF65-F5344CB8AC3E}">
+        <p14:creationId xmlns:p14="http://schemas.microsoft.com/office/powerpoint/2010/main" val="2821282838"/>
+      </p:ext>
+    </p:extLst>
+  </p:cSld>
+  <p:clrMapOvr>
+    <a:masterClrMapping/>
+  </p:clrMapOvr>
+</p:sld>
+</file>
+
+<file path=ppt/slides/slide37.xml><?xml version="1.0" encoding="utf-8"?>
+<p:sld xmlns:a="http://schemas.openxmlformats.org/drawingml/2006/main" xmlns:r="http://schemas.openxmlformats.org/officeDocument/2006/relationships" xmlns:p="http://schemas.openxmlformats.org/presentationml/2006/main">
+  <p:cSld>
+    <p:spTree>
+      <p:nvGrpSpPr>
+        <p:cNvPr id="1" name=""/>
+        <p:cNvGrpSpPr/>
+        <p:nvPr/>
+      </p:nvGrpSpPr>
+      <p:grpSpPr>
+        <a:xfrm>
+          <a:off x="0" y="0"/>
+          <a:ext cx="0" cy="0"/>
+          <a:chOff x="0" y="0"/>
+          <a:chExt cx="0" cy="0"/>
+        </a:xfrm>
+      </p:grpSpPr>
+      <p:sp>
+        <p:nvSpPr>
+          <p:cNvPr id="2" name="Заголовок 1">
+            <a:extLst>
+              <a:ext uri="{FF2B5EF4-FFF2-40B4-BE49-F238E27FC236}">
+                <a16:creationId xmlns:a16="http://schemas.microsoft.com/office/drawing/2014/main" id="{3FEBCC66-46DC-4B2C-BC21-04168D85531D}"/>
+              </a:ext>
+            </a:extLst>
+          </p:cNvPr>
+          <p:cNvSpPr>
+            <a:spLocks noGrp="1"/>
+          </p:cNvSpPr>
+          <p:nvPr>
+            <p:ph type="title"/>
+          </p:nvPr>
+        </p:nvSpPr>
+        <p:spPr/>
+        <p:txBody>
+          <a:bodyPr/>
+          <a:lstStyle/>
+          <a:p>
+            <a:pPr>
+              <a:lnSpc>
+                <a:spcPct val="100000"/>
+              </a:lnSpc>
+            </a:pPr>
+            <a:r>
+              <a:rPr lang="en-US" sz="3000" dirty="0"/>
+              <a:t>Example</a:t>
+            </a:r>
+            <a:endParaRPr lang="uk-UA" sz="3000" dirty="0"/>
+          </a:p>
+        </p:txBody>
+      </p:sp>
+      <p:pic>
+        <p:nvPicPr>
+          <p:cNvPr id="5" name="Рисунок 4">
+            <a:extLst>
+              <a:ext uri="{FF2B5EF4-FFF2-40B4-BE49-F238E27FC236}">
+                <a16:creationId xmlns:a16="http://schemas.microsoft.com/office/drawing/2014/main" id="{4BC52864-B236-4D4B-B2B9-2C8E0D394B93}"/>
+              </a:ext>
+            </a:extLst>
+          </p:cNvPr>
+          <p:cNvPicPr>
+            <a:picLocks noChangeAspect="1"/>
+          </p:cNvPicPr>
+          <p:nvPr/>
+        </p:nvPicPr>
+        <p:blipFill>
+          <a:blip r:embed="rId3">
+            <a:extLst>
+              <a:ext uri="{28A0092B-C50C-407E-A947-70E740481C1C}">
+                <a14:useLocalDpi xmlns:a14="http://schemas.microsoft.com/office/drawing/2010/main" val="0"/>
+              </a:ext>
+            </a:extLst>
+          </a:blip>
+          <a:stretch>
+            <a:fillRect/>
+          </a:stretch>
+        </p:blipFill>
+        <p:spPr>
+          <a:xfrm>
+            <a:off x="-14836" y="1882859"/>
+            <a:ext cx="12221671" cy="2406480"/>
+          </a:xfrm>
+          <a:prstGeom prst="rect">
+            <a:avLst/>
+          </a:prstGeom>
+        </p:spPr>
+      </p:pic>
+    </p:spTree>
+    <p:extLst>
+      <p:ext uri="{BB962C8B-B14F-4D97-AF65-F5344CB8AC3E}">
+        <p14:creationId xmlns:p14="http://schemas.microsoft.com/office/powerpoint/2010/main" val="609451672"/>
+      </p:ext>
+    </p:extLst>
+  </p:cSld>
+  <p:clrMapOvr>
+    <a:masterClrMapping/>
+  </p:clrMapOvr>
+</p:sld>
+</file>
+
+<file path=ppt/slides/slide38.xml><?xml version="1.0" encoding="utf-8"?>
+<p:sld xmlns:a="http://schemas.openxmlformats.org/drawingml/2006/main" xmlns:r="http://schemas.openxmlformats.org/officeDocument/2006/relationships" xmlns:p="http://schemas.openxmlformats.org/presentationml/2006/main">
+  <p:cSld>
+    <p:spTree>
+      <p:nvGrpSpPr>
+        <p:cNvPr id="1" name=""/>
+        <p:cNvGrpSpPr/>
+        <p:nvPr/>
+      </p:nvGrpSpPr>
+      <p:grpSpPr>
+        <a:xfrm>
+          <a:off x="0" y="0"/>
+          <a:ext cx="0" cy="0"/>
+          <a:chOff x="0" y="0"/>
+          <a:chExt cx="0" cy="0"/>
+        </a:xfrm>
+      </p:grpSpPr>
+      <p:sp>
+        <p:nvSpPr>
+          <p:cNvPr id="2" name="Заголовок 1">
+            <a:extLst>
+              <a:ext uri="{FF2B5EF4-FFF2-40B4-BE49-F238E27FC236}">
+                <a16:creationId xmlns:a16="http://schemas.microsoft.com/office/drawing/2014/main" id="{43941F03-ED4E-441D-998F-B061BBCB507E}"/>
+              </a:ext>
+            </a:extLst>
+          </p:cNvPr>
+          <p:cNvSpPr>
+            <a:spLocks noGrp="1"/>
+          </p:cNvSpPr>
+          <p:nvPr>
+            <p:ph type="title"/>
+          </p:nvPr>
+        </p:nvSpPr>
+        <p:spPr/>
+        <p:txBody>
+          <a:bodyPr/>
+          <a:lstStyle/>
+          <a:p>
+            <a:pPr>
+              <a:lnSpc>
+                <a:spcPct val="100000"/>
+              </a:lnSpc>
+            </a:pPr>
+            <a:r>
+              <a:rPr lang="en-US" sz="3600" dirty="0" err="1"/>
+              <a:t>WeakMap</a:t>
+            </a:r>
+            <a:r>
+              <a:rPr lang="en-US" sz="3600" dirty="0"/>
+              <a:t> and </a:t>
+            </a:r>
+            <a:r>
+              <a:rPr lang="en-US" sz="3600" dirty="0" err="1"/>
+              <a:t>WeakSet</a:t>
+            </a:r>
+            <a:br>
+              <a:rPr lang="en-US" sz="3600" dirty="0"/>
+            </a:br>
+            <a:r>
+              <a:rPr lang="en-US" sz="2400" dirty="0" err="1">
+                <a:latin typeface="Open Sans" panose="020B0604020202020204" charset="0"/>
+                <a:ea typeface="Open Sans" panose="020B0604020202020204" charset="0"/>
+                <a:cs typeface="Open Sans" panose="020B0604020202020204" charset="0"/>
+              </a:rPr>
+              <a:t>WeakMap</a:t>
+            </a:r>
+            <a:r>
+              <a:rPr lang="en-US" sz="2400" dirty="0">
+                <a:latin typeface="Open Sans" panose="020B0604020202020204" charset="0"/>
+                <a:ea typeface="Open Sans" panose="020B0604020202020204" charset="0"/>
+                <a:cs typeface="Open Sans" panose="020B0604020202020204" charset="0"/>
+              </a:rPr>
+              <a:t> is Map-like collection that allows only objects as keys and removes them together with associated value once they become inaccessible by other means.</a:t>
+            </a:r>
+            <a:br>
+              <a:rPr lang="en-US" sz="2400" dirty="0">
+                <a:latin typeface="Open Sans" panose="020B0604020202020204" charset="0"/>
+                <a:ea typeface="Open Sans" panose="020B0604020202020204" charset="0"/>
+                <a:cs typeface="Open Sans" panose="020B0604020202020204" charset="0"/>
+              </a:rPr>
+            </a:br>
+            <a:br>
+              <a:rPr lang="en-US" sz="2400" dirty="0">
+                <a:latin typeface="Open Sans" panose="020B0604020202020204" charset="0"/>
+                <a:ea typeface="Open Sans" panose="020B0604020202020204" charset="0"/>
+                <a:cs typeface="Open Sans" panose="020B0604020202020204" charset="0"/>
+              </a:rPr>
+            </a:br>
+            <a:r>
+              <a:rPr lang="en-US" sz="2400" dirty="0" err="1">
+                <a:latin typeface="Open Sans" panose="020B0604020202020204" charset="0"/>
+                <a:ea typeface="Open Sans" panose="020B0604020202020204" charset="0"/>
+                <a:cs typeface="Open Sans" panose="020B0604020202020204" charset="0"/>
+              </a:rPr>
+              <a:t>WeakSet</a:t>
+            </a:r>
+            <a:r>
+              <a:rPr lang="en-US" sz="2400" dirty="0">
+                <a:latin typeface="Open Sans" panose="020B0604020202020204" charset="0"/>
+                <a:ea typeface="Open Sans" panose="020B0604020202020204" charset="0"/>
+                <a:cs typeface="Open Sans" panose="020B0604020202020204" charset="0"/>
+              </a:rPr>
+              <a:t> is Set-like collection that stores only objects and removes them once they become inaccessible by other means.</a:t>
+            </a:r>
+            <a:br>
+              <a:rPr lang="en-US" sz="2400" dirty="0">
+                <a:latin typeface="Open Sans" panose="020B0604020202020204" charset="0"/>
+                <a:ea typeface="Open Sans" panose="020B0604020202020204" charset="0"/>
+                <a:cs typeface="Open Sans" panose="020B0604020202020204" charset="0"/>
+              </a:rPr>
+            </a:br>
+            <a:br>
+              <a:rPr lang="en-US" sz="2400" dirty="0">
+                <a:latin typeface="Open Sans" panose="020B0604020202020204" charset="0"/>
+                <a:ea typeface="Open Sans" panose="020B0604020202020204" charset="0"/>
+                <a:cs typeface="Open Sans" panose="020B0604020202020204" charset="0"/>
+              </a:rPr>
+            </a:br>
+            <a:r>
+              <a:rPr lang="en-US" sz="2400" dirty="0">
+                <a:latin typeface="Open Sans" panose="020B0604020202020204" charset="0"/>
+                <a:ea typeface="Open Sans" panose="020B0604020202020204" charset="0"/>
+                <a:cs typeface="Open Sans" panose="020B0604020202020204" charset="0"/>
+              </a:rPr>
+              <a:t>Both of them do not support methods and properties that refer to all keys or their count. Only individual operations are allowed.</a:t>
+            </a:r>
+            <a:br>
+              <a:rPr lang="en-US" sz="2400" dirty="0">
+                <a:latin typeface="Open Sans" panose="020B0604020202020204" charset="0"/>
+                <a:ea typeface="Open Sans" panose="020B0604020202020204" charset="0"/>
+                <a:cs typeface="Open Sans" panose="020B0604020202020204" charset="0"/>
+              </a:rPr>
+            </a:br>
+            <a:br>
+              <a:rPr lang="en-US" sz="2400" dirty="0">
+                <a:latin typeface="Open Sans" panose="020B0604020202020204" charset="0"/>
+                <a:ea typeface="Open Sans" panose="020B0604020202020204" charset="0"/>
+                <a:cs typeface="Open Sans" panose="020B0604020202020204" charset="0"/>
+              </a:rPr>
+            </a:br>
+            <a:endParaRPr lang="uk-UA" sz="2400" dirty="0">
+              <a:latin typeface="Open Sans" panose="020B0604020202020204" charset="0"/>
+              <a:ea typeface="Open Sans" panose="020B0604020202020204" charset="0"/>
+              <a:cs typeface="Open Sans" panose="020B0604020202020204" charset="0"/>
+            </a:endParaRPr>
+          </a:p>
+        </p:txBody>
+      </p:sp>
+    </p:spTree>
+    <p:extLst>
+      <p:ext uri="{BB962C8B-B14F-4D97-AF65-F5344CB8AC3E}">
+        <p14:creationId xmlns:p14="http://schemas.microsoft.com/office/powerpoint/2010/main" val="1491166393"/>
+      </p:ext>
+    </p:extLst>
+  </p:cSld>
+  <p:clrMapOvr>
+    <a:masterClrMapping/>
+  </p:clrMapOvr>
+</p:sld>
+</file>
+
+<file path=ppt/slides/slide39.xml><?xml version="1.0" encoding="utf-8"?>
+<p:sld xmlns:a="http://schemas.openxmlformats.org/drawingml/2006/main" xmlns:r="http://schemas.openxmlformats.org/officeDocument/2006/relationships" xmlns:p="http://schemas.openxmlformats.org/presentationml/2006/main">
+  <p:cSld>
+    <p:spTree>
+      <p:nvGrpSpPr>
+        <p:cNvPr id="1" name=""/>
+        <p:cNvGrpSpPr/>
+        <p:nvPr/>
+      </p:nvGrpSpPr>
+      <p:grpSpPr>
+        <a:xfrm>
+          <a:off x="0" y="0"/>
+          <a:ext cx="0" cy="0"/>
+          <a:chOff x="0" y="0"/>
+          <a:chExt cx="0" cy="0"/>
+        </a:xfrm>
+      </p:grpSpPr>
+      <p:sp>
+        <p:nvSpPr>
+          <p:cNvPr id="2" name="Заголовок 1">
+            <a:extLst>
+              <a:ext uri="{FF2B5EF4-FFF2-40B4-BE49-F238E27FC236}">
+                <a16:creationId xmlns:a16="http://schemas.microsoft.com/office/drawing/2014/main" id="{FC140268-8E06-4FB4-8915-6296B303C13A}"/>
+              </a:ext>
+            </a:extLst>
+          </p:cNvPr>
+          <p:cNvSpPr>
+            <a:spLocks noGrp="1"/>
+          </p:cNvSpPr>
+          <p:nvPr>
+            <p:ph type="title"/>
+          </p:nvPr>
+        </p:nvSpPr>
+        <p:spPr/>
+        <p:txBody>
+          <a:bodyPr/>
+          <a:lstStyle/>
+          <a:p>
+            <a:pPr>
+              <a:lnSpc>
+                <a:spcPct val="100000"/>
+              </a:lnSpc>
+            </a:pPr>
+            <a:r>
+              <a:rPr lang="en-US" sz="2400" dirty="0" err="1">
+                <a:latin typeface="Open Sans" panose="020B0604020202020204" charset="0"/>
+                <a:ea typeface="Open Sans" panose="020B0604020202020204" charset="0"/>
+                <a:cs typeface="Open Sans" panose="020B0604020202020204" charset="0"/>
+              </a:rPr>
+              <a:t>WeakMap</a:t>
+            </a:r>
+            <a:r>
+              <a:rPr lang="en-US" sz="2400" dirty="0">
+                <a:latin typeface="Open Sans" panose="020B0604020202020204" charset="0"/>
+                <a:ea typeface="Open Sans" panose="020B0604020202020204" charset="0"/>
+                <a:cs typeface="Open Sans" panose="020B0604020202020204" charset="0"/>
+              </a:rPr>
+              <a:t> and </a:t>
+            </a:r>
+            <a:r>
+              <a:rPr lang="en-US" sz="2400" dirty="0" err="1">
+                <a:latin typeface="Open Sans" panose="020B0604020202020204" charset="0"/>
+                <a:ea typeface="Open Sans" panose="020B0604020202020204" charset="0"/>
+                <a:cs typeface="Open Sans" panose="020B0604020202020204" charset="0"/>
+              </a:rPr>
+              <a:t>WeakSet</a:t>
+            </a:r>
+            <a:r>
+              <a:rPr lang="en-US" sz="2400" dirty="0">
+                <a:latin typeface="Open Sans" panose="020B0604020202020204" charset="0"/>
+                <a:ea typeface="Open Sans" panose="020B0604020202020204" charset="0"/>
+                <a:cs typeface="Open Sans" panose="020B0604020202020204" charset="0"/>
+              </a:rPr>
+              <a:t> are used as “secondary” data structures in addition to the “main” object storage. Once the object is removed from the main storage, if it is only found as the key of </a:t>
+            </a:r>
+            <a:r>
+              <a:rPr lang="en-US" sz="2400" dirty="0" err="1">
+                <a:latin typeface="Open Sans" panose="020B0604020202020204" charset="0"/>
+                <a:ea typeface="Open Sans" panose="020B0604020202020204" charset="0"/>
+                <a:cs typeface="Open Sans" panose="020B0604020202020204" charset="0"/>
+              </a:rPr>
+              <a:t>WeakMap</a:t>
+            </a:r>
+            <a:r>
+              <a:rPr lang="en-US" sz="2400" dirty="0">
+                <a:latin typeface="Open Sans" panose="020B0604020202020204" charset="0"/>
+                <a:ea typeface="Open Sans" panose="020B0604020202020204" charset="0"/>
+                <a:cs typeface="Open Sans" panose="020B0604020202020204" charset="0"/>
+              </a:rPr>
+              <a:t> or in a </a:t>
+            </a:r>
+            <a:r>
+              <a:rPr lang="en-US" sz="2400" dirty="0" err="1">
+                <a:latin typeface="Open Sans" panose="020B0604020202020204" charset="0"/>
+                <a:ea typeface="Open Sans" panose="020B0604020202020204" charset="0"/>
+                <a:cs typeface="Open Sans" panose="020B0604020202020204" charset="0"/>
+              </a:rPr>
+              <a:t>WeakSet</a:t>
+            </a:r>
+            <a:r>
+              <a:rPr lang="en-US" sz="2400" dirty="0">
+                <a:latin typeface="Open Sans" panose="020B0604020202020204" charset="0"/>
+                <a:ea typeface="Open Sans" panose="020B0604020202020204" charset="0"/>
+                <a:cs typeface="Open Sans" panose="020B0604020202020204" charset="0"/>
+              </a:rPr>
+              <a:t>, it will be cleaned up automatically.</a:t>
+            </a:r>
+            <a:endParaRPr lang="uk-UA" sz="2400" dirty="0"/>
+          </a:p>
+        </p:txBody>
+      </p:sp>
+    </p:spTree>
+    <p:extLst>
+      <p:ext uri="{BB962C8B-B14F-4D97-AF65-F5344CB8AC3E}">
+        <p14:creationId xmlns:p14="http://schemas.microsoft.com/office/powerpoint/2010/main" val="3558600350"/>
       </p:ext>
     </p:extLst>
   </p:cSld>
@@ -10898,6 +13288,163 @@
     <p:extLst>
       <p:ext uri="{BB962C8B-B14F-4D97-AF65-F5344CB8AC3E}">
         <p14:creationId xmlns:p14="http://schemas.microsoft.com/office/powerpoint/2010/main" val="3817965357"/>
+      </p:ext>
+    </p:extLst>
+  </p:cSld>
+  <p:clrMapOvr>
+    <a:masterClrMapping/>
+  </p:clrMapOvr>
+</p:sld>
+</file>
+
+<file path=ppt/slides/slide40.xml><?xml version="1.0" encoding="utf-8"?>
+<p:sld xmlns:a="http://schemas.openxmlformats.org/drawingml/2006/main" xmlns:r="http://schemas.openxmlformats.org/officeDocument/2006/relationships" xmlns:p="http://schemas.openxmlformats.org/presentationml/2006/main">
+  <p:cSld>
+    <p:spTree>
+      <p:nvGrpSpPr>
+        <p:cNvPr id="1" name=""/>
+        <p:cNvGrpSpPr/>
+        <p:nvPr/>
+      </p:nvGrpSpPr>
+      <p:grpSpPr>
+        <a:xfrm>
+          <a:off x="0" y="0"/>
+          <a:ext cx="0" cy="0"/>
+          <a:chOff x="0" y="0"/>
+          <a:chExt cx="0" cy="0"/>
+        </a:xfrm>
+      </p:grpSpPr>
+      <p:sp>
+        <p:nvSpPr>
+          <p:cNvPr id="2" name="Заголовок 1">
+            <a:extLst>
+              <a:ext uri="{FF2B5EF4-FFF2-40B4-BE49-F238E27FC236}">
+                <a16:creationId xmlns:a16="http://schemas.microsoft.com/office/drawing/2014/main" id="{F42C39E6-A4C3-40E0-93D6-11AEB330067F}"/>
+              </a:ext>
+            </a:extLst>
+          </p:cNvPr>
+          <p:cNvSpPr>
+            <a:spLocks noGrp="1"/>
+          </p:cNvSpPr>
+          <p:nvPr>
+            <p:ph type="title"/>
+          </p:nvPr>
+        </p:nvSpPr>
+        <p:spPr/>
+        <p:txBody>
+          <a:bodyPr/>
+          <a:lstStyle/>
+          <a:p>
+            <a:pPr>
+              <a:lnSpc>
+                <a:spcPct val="100000"/>
+              </a:lnSpc>
+            </a:pPr>
+            <a:r>
+              <a:rPr lang="en-US" sz="4000" dirty="0"/>
+              <a:t>Links</a:t>
+            </a:r>
+            <a:br>
+              <a:rPr lang="en-US" sz="4000" dirty="0"/>
+            </a:br>
+            <a:r>
+              <a:rPr lang="en-US" sz="2400" dirty="0">
+                <a:latin typeface="Open Sans" panose="020B0604020202020204" charset="0"/>
+                <a:ea typeface="Open Sans" panose="020B0604020202020204" charset="0"/>
+                <a:cs typeface="Open Sans" panose="020B0604020202020204" charset="0"/>
+              </a:rPr>
+              <a:t>1. </a:t>
+            </a:r>
+            <a:r>
+              <a:rPr lang="en-US" sz="2400" dirty="0">
+                <a:latin typeface="Open Sans" panose="020B0604020202020204" charset="0"/>
+                <a:ea typeface="Open Sans" panose="020B0604020202020204" charset="0"/>
+                <a:cs typeface="Open Sans" panose="020B0604020202020204" charset="0"/>
+                <a:hlinkClick r:id="rId2"/>
+              </a:rPr>
+              <a:t>https://developer.mozilla.org/en-US/docs/Web/JavaScript/Guide/Indexed_collections</a:t>
+            </a:r>
+            <a:br>
+              <a:rPr lang="en-US" sz="2400" dirty="0">
+                <a:latin typeface="Open Sans" panose="020B0604020202020204" charset="0"/>
+                <a:ea typeface="Open Sans" panose="020B0604020202020204" charset="0"/>
+                <a:cs typeface="Open Sans" panose="020B0604020202020204" charset="0"/>
+              </a:rPr>
+            </a:br>
+            <a:r>
+              <a:rPr lang="en-US" sz="2400" dirty="0">
+                <a:latin typeface="Open Sans" panose="020B0604020202020204" charset="0"/>
+                <a:ea typeface="Open Sans" panose="020B0604020202020204" charset="0"/>
+                <a:cs typeface="Open Sans" panose="020B0604020202020204" charset="0"/>
+              </a:rPr>
+              <a:t>2. </a:t>
+            </a:r>
+            <a:r>
+              <a:rPr lang="en-US" sz="2400" dirty="0">
+                <a:latin typeface="Open Sans" panose="020B0604020202020204" charset="0"/>
+                <a:ea typeface="Open Sans" panose="020B0604020202020204" charset="0"/>
+                <a:cs typeface="Open Sans" panose="020B0604020202020204" charset="0"/>
+                <a:hlinkClick r:id="rId3"/>
+              </a:rPr>
+              <a:t>https://developer.mozilla.org/en-US/docs/Web/JavaScript/Guide/Keyed_collections</a:t>
+            </a:r>
+            <a:br>
+              <a:rPr lang="en-US" sz="2400" dirty="0">
+                <a:latin typeface="Open Sans" panose="020B0604020202020204" charset="0"/>
+                <a:ea typeface="Open Sans" panose="020B0604020202020204" charset="0"/>
+                <a:cs typeface="Open Sans" panose="020B0604020202020204" charset="0"/>
+              </a:rPr>
+            </a:br>
+            <a:r>
+              <a:rPr lang="en-US" sz="2400" dirty="0">
+                <a:latin typeface="Open Sans" panose="020B0604020202020204" charset="0"/>
+                <a:ea typeface="Open Sans" panose="020B0604020202020204" charset="0"/>
+                <a:cs typeface="Open Sans" panose="020B0604020202020204" charset="0"/>
+              </a:rPr>
+              <a:t>3.</a:t>
+            </a:r>
+            <a:br>
+              <a:rPr lang="en-US" sz="2400" dirty="0">
+                <a:latin typeface="Open Sans" panose="020B0604020202020204" charset="0"/>
+                <a:ea typeface="Open Sans" panose="020B0604020202020204" charset="0"/>
+                <a:cs typeface="Open Sans" panose="020B0604020202020204" charset="0"/>
+              </a:rPr>
+            </a:br>
+            <a:r>
+              <a:rPr lang="en-US" sz="2400" dirty="0">
+                <a:latin typeface="Open Sans" panose="020B0604020202020204" charset="0"/>
+                <a:ea typeface="Open Sans" panose="020B0604020202020204" charset="0"/>
+                <a:cs typeface="Open Sans" panose="020B0604020202020204" charset="0"/>
+              </a:rPr>
+              <a:t>4.</a:t>
+            </a:r>
+            <a:br>
+              <a:rPr lang="en-US" sz="2400" dirty="0">
+                <a:latin typeface="Open Sans" panose="020B0604020202020204" charset="0"/>
+                <a:ea typeface="Open Sans" panose="020B0604020202020204" charset="0"/>
+                <a:cs typeface="Open Sans" panose="020B0604020202020204" charset="0"/>
+              </a:rPr>
+            </a:br>
+            <a:r>
+              <a:rPr lang="en-US" sz="2400" dirty="0">
+                <a:latin typeface="Open Sans" panose="020B0604020202020204" charset="0"/>
+                <a:ea typeface="Open Sans" panose="020B0604020202020204" charset="0"/>
+                <a:cs typeface="Open Sans" panose="020B0604020202020204" charset="0"/>
+              </a:rPr>
+              <a:t>5.</a:t>
+            </a:r>
+            <a:endParaRPr lang="uk-UA" sz="2400" dirty="0">
+              <a:latin typeface="Open Sans" panose="020B0604020202020204" charset="0"/>
+              <a:ea typeface="Open Sans" panose="020B0604020202020204" charset="0"/>
+              <a:cs typeface="Open Sans" panose="020B0604020202020204" charset="0"/>
+            </a:endParaRPr>
+          </a:p>
+        </p:txBody>
+      </p:sp>
+    </p:spTree>
+    <p:extLst>
+      <p:ext uri="{BB962C8B-B14F-4D97-AF65-F5344CB8AC3E}">
+        <p14:creationId xmlns:p14="http://schemas.microsoft.com/office/powerpoint/2010/main" val="1031338415"/>
       </p:ext>
     </p:extLst>
   </p:cSld>
@@ -12057,23 +14604,6 @@
 </file>
 
 <file path=customXml/item1.xml><?xml version="1.0" encoding="utf-8"?>
-<p:properties xmlns:p="http://schemas.microsoft.com/office/2006/metadata/properties" xmlns:xsi="http://www.w3.org/2001/XMLSchema-instance" xmlns:pc="http://schemas.microsoft.com/office/infopath/2007/PartnerControls">
-  <documentManagement>
-    <_x041a__x043e__x043c__x0435__x0442__x0430__x0440_ xmlns="835f28f2-30f1-4728-84d2-86d96e143488" xsi:nil="true"/>
-  </documentManagement>
-</p:properties>
-</file>
-
-<file path=customXml/item2.xml><?xml version="1.0" encoding="utf-8"?>
-<?mso-contentType ?>
-<FormTemplates xmlns="http://schemas.microsoft.com/sharepoint/v3/contenttype/forms">
-  <Display>DocumentLibraryForm</Display>
-  <Edit>DocumentLibraryForm</Edit>
-  <New>DocumentLibraryForm</New>
-</FormTemplates>
-</file>
-
-<file path=customXml/item3.xml><?xml version="1.0" encoding="utf-8"?>
 <ct:contentTypeSchema xmlns:ct="http://schemas.microsoft.com/office/2006/metadata/contentType" xmlns:ma="http://schemas.microsoft.com/office/2006/metadata/properties/metaAttributes" ct:_="" ma:_="" ma:contentTypeName="Документ" ma:contentTypeID="0x0101004195FC54A15F344D83577B1CDDD67A5D" ma:contentTypeVersion="9" ma:contentTypeDescription="Создание документа." ma:contentTypeScope="" ma:versionID="961ec8db58076c7d3e9f84b9cd82fd45">
   <xsd:schema xmlns:xsd="http://www.w3.org/2001/XMLSchema" xmlns:xs="http://www.w3.org/2001/XMLSchema" xmlns:p="http://schemas.microsoft.com/office/2006/metadata/properties" xmlns:ns2="341e6018-ac0a-4dfb-8409-db9e0d25502e" xmlns:ns3="835f28f2-30f1-4728-84d2-86d96e143488" targetNamespace="http://schemas.microsoft.com/office/2006/metadata/properties" ma:root="true" ma:fieldsID="bd9f0c80ada20ee560e77d723f3ef44e" ns2:_="" ns3:_="">
     <xsd:import namespace="341e6018-ac0a-4dfb-8409-db9e0d25502e"/>
@@ -12272,32 +14802,24 @@
 </ct:contentTypeSchema>
 </file>
 
-<file path=customXml/itemProps1.xml><?xml version="1.0" encoding="utf-8"?>
-<ds:datastoreItem xmlns:ds="http://schemas.openxmlformats.org/officeDocument/2006/customXml" ds:itemID="{B3A1340B-3A1B-4156-ADE3-51DF6C2C795D}">
-  <ds:schemaRefs>
-    <ds:schemaRef ds:uri="http://schemas.microsoft.com/office/2006/documentManagement/types"/>
-    <ds:schemaRef ds:uri="http://purl.org/dc/elements/1.1/"/>
-    <ds:schemaRef ds:uri="835f28f2-30f1-4728-84d2-86d96e143488"/>
-    <ds:schemaRef ds:uri="http://purl.org/dc/dcmitype/"/>
-    <ds:schemaRef ds:uri="http://schemas.microsoft.com/office/infopath/2007/PartnerControls"/>
-    <ds:schemaRef ds:uri="341e6018-ac0a-4dfb-8409-db9e0d25502e"/>
-    <ds:schemaRef ds:uri="http://purl.org/dc/terms/"/>
-    <ds:schemaRef ds:uri="http://schemas.openxmlformats.org/package/2006/metadata/core-properties"/>
-    <ds:schemaRef ds:uri="http://schemas.microsoft.com/office/2006/metadata/properties"/>
-    <ds:schemaRef ds:uri="http://www.w3.org/XML/1998/namespace"/>
-  </ds:schemaRefs>
-</ds:datastoreItem>
+<file path=customXml/item2.xml><?xml version="1.0" encoding="utf-8"?>
+<?mso-contentType ?>
+<FormTemplates xmlns="http://schemas.microsoft.com/sharepoint/v3/contenttype/forms">
+  <Display>DocumentLibraryForm</Display>
+  <Edit>DocumentLibraryForm</Edit>
+  <New>DocumentLibraryForm</New>
+</FormTemplates>
 </file>
 
-<file path=customXml/itemProps2.xml><?xml version="1.0" encoding="utf-8"?>
-<ds:datastoreItem xmlns:ds="http://schemas.openxmlformats.org/officeDocument/2006/customXml" ds:itemID="{296B3B9E-03D8-4766-BF45-6129617CF026}">
-  <ds:schemaRefs>
-    <ds:schemaRef ds:uri="http://schemas.microsoft.com/sharepoint/v3/contenttype/forms"/>
-  </ds:schemaRefs>
-</ds:datastoreItem>
+<file path=customXml/item3.xml><?xml version="1.0" encoding="utf-8"?>
+<p:properties xmlns:p="http://schemas.microsoft.com/office/2006/metadata/properties" xmlns:xsi="http://www.w3.org/2001/XMLSchema-instance" xmlns:pc="http://schemas.microsoft.com/office/infopath/2007/PartnerControls">
+  <documentManagement>
+    <_x041a__x043e__x043c__x0435__x0442__x0430__x0440_ xmlns="835f28f2-30f1-4728-84d2-86d96e143488" xsi:nil="true"/>
+  </documentManagement>
+</p:properties>
 </file>
 
-<file path=customXml/itemProps3.xml><?xml version="1.0" encoding="utf-8"?>
+<file path=customXml/itemProps1.xml><?xml version="1.0" encoding="utf-8"?>
 <ds:datastoreItem xmlns:ds="http://schemas.openxmlformats.org/officeDocument/2006/customXml" ds:itemID="{CAFDAB34-20E1-438F-BCB2-ECDA5496F36D}">
   <ds:schemaRefs>
     <ds:schemaRef ds:uri="http://schemas.microsoft.com/office/2006/metadata/contentType"/>
@@ -12314,4 +14836,29 @@
     <ds:schemaRef ds:uri="http://schemas.microsoft.com/internal/obd"/>
   </ds:schemaRefs>
 </ds:datastoreItem>
+</file>
+
+<file path=customXml/itemProps2.xml><?xml version="1.0" encoding="utf-8"?>
+<ds:datastoreItem xmlns:ds="http://schemas.openxmlformats.org/officeDocument/2006/customXml" ds:itemID="{296B3B9E-03D8-4766-BF45-6129617CF026}">
+  <ds:schemaRefs>
+    <ds:schemaRef ds:uri="http://schemas.microsoft.com/sharepoint/v3/contenttype/forms"/>
+  </ds:schemaRefs>
+</ds:datastoreItem>
+</file>
+
+<file path=customXml/itemProps3.xml><?xml version="1.0" encoding="utf-8"?>
+<ds:datastoreItem xmlns:ds="http://schemas.openxmlformats.org/officeDocument/2006/customXml" ds:itemID="{B3A1340B-3A1B-4156-ADE3-51DF6C2C795D}">
+  <ds:schemaRefs>
+    <ds:schemaRef ds:uri="http://schemas.microsoft.com/office/2006/documentManagement/types"/>
+    <ds:schemaRef ds:uri="http://purl.org/dc/elements/1.1/"/>
+    <ds:schemaRef ds:uri="835f28f2-30f1-4728-84d2-86d96e143488"/>
+    <ds:schemaRef ds:uri="http://purl.org/dc/dcmitype/"/>
+    <ds:schemaRef ds:uri="http://schemas.microsoft.com/office/infopath/2007/PartnerControls"/>
+    <ds:schemaRef ds:uri="341e6018-ac0a-4dfb-8409-db9e0d25502e"/>
+    <ds:schemaRef ds:uri="http://purl.org/dc/terms/"/>
+    <ds:schemaRef ds:uri="http://schemas.openxmlformats.org/package/2006/metadata/core-properties"/>
+    <ds:schemaRef ds:uri="http://schemas.microsoft.com/office/2006/metadata/properties"/>
+    <ds:schemaRef ds:uri="http://www.w3.org/XML/1998/namespace"/>
+  </ds:schemaRefs>
+</ds:datastoreItem>
 </file>